--- a/Pygame проект/Data/IMperfect World.pptx
+++ b/Pygame проект/Data/IMperfect World.pptx
@@ -245,7 +245,7 @@
           <a:p>
             <a:fld id="{BCAC18F8-9188-4621-8F4A-24A1AD1CA56F}" type="datetimeFigureOut">
               <a:rPr lang="ru-RU" smtClean="0"/>
-              <a:t>28.02.2025</a:t>
+              <a:t>09.03.2025</a:t>
             </a:fld>
             <a:endParaRPr lang="ru-RU"/>
           </a:p>
@@ -558,7 +558,7 @@
           <a:p>
             <a:fld id="{BCAC18F8-9188-4621-8F4A-24A1AD1CA56F}" type="datetimeFigureOut">
               <a:rPr lang="ru-RU" smtClean="0"/>
-              <a:t>28.02.2025</a:t>
+              <a:t>09.03.2025</a:t>
             </a:fld>
             <a:endParaRPr lang="ru-RU"/>
           </a:p>
@@ -743,7 +743,7 @@
           <a:p>
             <a:fld id="{BCAC18F8-9188-4621-8F4A-24A1AD1CA56F}" type="datetimeFigureOut">
               <a:rPr lang="ru-RU" smtClean="0"/>
-              <a:t>28.02.2025</a:t>
+              <a:t>09.03.2025</a:t>
             </a:fld>
             <a:endParaRPr lang="ru-RU"/>
           </a:p>
@@ -918,7 +918,7 @@
           <a:p>
             <a:fld id="{BCAC18F8-9188-4621-8F4A-24A1AD1CA56F}" type="datetimeFigureOut">
               <a:rPr lang="ru-RU" smtClean="0"/>
-              <a:t>28.02.2025</a:t>
+              <a:t>09.03.2025</a:t>
             </a:fld>
             <a:endParaRPr lang="ru-RU"/>
           </a:p>
@@ -1186,7 +1186,7 @@
           <a:p>
             <a:fld id="{BCAC18F8-9188-4621-8F4A-24A1AD1CA56F}" type="datetimeFigureOut">
               <a:rPr lang="ru-RU" smtClean="0"/>
-              <a:t>28.02.2025</a:t>
+              <a:t>09.03.2025</a:t>
             </a:fld>
             <a:endParaRPr lang="ru-RU"/>
           </a:p>
@@ -1654,7 +1654,7 @@
           <a:p>
             <a:fld id="{BCAC18F8-9188-4621-8F4A-24A1AD1CA56F}" type="datetimeFigureOut">
               <a:rPr lang="ru-RU" smtClean="0"/>
-              <a:t>28.02.2025</a:t>
+              <a:t>09.03.2025</a:t>
             </a:fld>
             <a:endParaRPr lang="ru-RU"/>
           </a:p>
@@ -2143,7 +2143,7 @@
           <a:p>
             <a:fld id="{BCAC18F8-9188-4621-8F4A-24A1AD1CA56F}" type="datetimeFigureOut">
               <a:rPr lang="ru-RU" smtClean="0"/>
-              <a:t>28.02.2025</a:t>
+              <a:t>09.03.2025</a:t>
             </a:fld>
             <a:endParaRPr lang="ru-RU"/>
           </a:p>
@@ -2269,7 +2269,7 @@
           <a:p>
             <a:fld id="{BCAC18F8-9188-4621-8F4A-24A1AD1CA56F}" type="datetimeFigureOut">
               <a:rPr lang="ru-RU" smtClean="0"/>
-              <a:t>28.02.2025</a:t>
+              <a:t>09.03.2025</a:t>
             </a:fld>
             <a:endParaRPr lang="ru-RU"/>
           </a:p>
@@ -2413,7 +2413,7 @@
           <a:p>
             <a:fld id="{BCAC18F8-9188-4621-8F4A-24A1AD1CA56F}" type="datetimeFigureOut">
               <a:rPr lang="ru-RU" smtClean="0"/>
-              <a:t>28.02.2025</a:t>
+              <a:t>09.03.2025</a:t>
             </a:fld>
             <a:endParaRPr lang="ru-RU"/>
           </a:p>
@@ -2735,7 +2735,7 @@
           <a:p>
             <a:fld id="{BCAC18F8-9188-4621-8F4A-24A1AD1CA56F}" type="datetimeFigureOut">
               <a:rPr lang="ru-RU" smtClean="0"/>
-              <a:t>28.02.2025</a:t>
+              <a:t>09.03.2025</a:t>
             </a:fld>
             <a:endParaRPr lang="ru-RU"/>
           </a:p>
@@ -2869,7 +2869,7 @@
           <a:p>
             <a:fld id="{BCAC18F8-9188-4621-8F4A-24A1AD1CA56F}" type="datetimeFigureOut">
               <a:rPr lang="ru-RU" smtClean="0"/>
-              <a:t>28.02.2025</a:t>
+              <a:t>09.03.2025</a:t>
             </a:fld>
             <a:endParaRPr lang="ru-RU"/>
           </a:p>
@@ -3650,7 +3650,7 @@
           <a:p>
             <a:fld id="{BCAC18F8-9188-4621-8F4A-24A1AD1CA56F}" type="datetimeFigureOut">
               <a:rPr lang="ru-RU" smtClean="0"/>
-              <a:t>28.02.2025</a:t>
+              <a:t>09.03.2025</a:t>
             </a:fld>
             <a:endParaRPr lang="ru-RU"/>
           </a:p>
@@ -4148,6 +4148,187 @@
       </p:grpSpPr>
       <p:sp>
         <p:nvSpPr>
+          <p:cNvPr id="4" name="Прямоугольный треугольник 3"/>
+          <p:cNvSpPr/>
+          <p:nvPr/>
+        </p:nvSpPr>
+        <p:spPr>
+          <a:xfrm>
+            <a:off x="14888" y="-333375"/>
+            <a:ext cx="9521116" cy="7191375"/>
+          </a:xfrm>
+          <a:prstGeom prst="rtTriangle">
+            <a:avLst/>
+          </a:prstGeom>
+          <a:solidFill>
+            <a:srgbClr val="82148E"/>
+          </a:solidFill>
+        </p:spPr>
+        <p:style>
+          <a:lnRef idx="2">
+            <a:schemeClr val="accent1">
+              <a:shade val="50000"/>
+            </a:schemeClr>
+          </a:lnRef>
+          <a:fillRef idx="1">
+            <a:schemeClr val="accent1"/>
+          </a:fillRef>
+          <a:effectRef idx="0">
+            <a:schemeClr val="accent1"/>
+          </a:effectRef>
+          <a:fontRef idx="minor">
+            <a:schemeClr val="lt1"/>
+          </a:fontRef>
+        </p:style>
+        <p:txBody>
+          <a:bodyPr rtlCol="0" anchor="ctr"/>
+          <a:lstStyle/>
+          <a:p>
+            <a:pPr algn="ctr"/>
+            <a:endParaRPr lang="ru-RU"/>
+          </a:p>
+        </p:txBody>
+      </p:sp>
+      <p:sp>
+        <p:nvSpPr>
+          <p:cNvPr id="5" name="Прямоугольный треугольник 4"/>
+          <p:cNvSpPr/>
+          <p:nvPr/>
+        </p:nvSpPr>
+        <p:spPr>
+          <a:xfrm rot="10800000">
+            <a:off x="167288" y="-180975"/>
+            <a:ext cx="9521116" cy="7191375"/>
+          </a:xfrm>
+          <a:prstGeom prst="rtTriangle">
+            <a:avLst/>
+          </a:prstGeom>
+          <a:solidFill>
+            <a:srgbClr val="92D050"/>
+          </a:solidFill>
+          <a:ln w="76200">
+            <a:solidFill>
+              <a:schemeClr val="tx1"/>
+            </a:solidFill>
+          </a:ln>
+        </p:spPr>
+        <p:style>
+          <a:lnRef idx="2">
+            <a:schemeClr val="accent1">
+              <a:shade val="50000"/>
+            </a:schemeClr>
+          </a:lnRef>
+          <a:fillRef idx="1">
+            <a:schemeClr val="accent1"/>
+          </a:fillRef>
+          <a:effectRef idx="0">
+            <a:schemeClr val="accent1"/>
+          </a:effectRef>
+          <a:fontRef idx="minor">
+            <a:schemeClr val="lt1"/>
+          </a:fontRef>
+        </p:style>
+        <p:txBody>
+          <a:bodyPr rtlCol="0" anchor="ctr"/>
+          <a:lstStyle/>
+          <a:p>
+            <a:pPr algn="ctr"/>
+            <a:endParaRPr lang="ru-RU"/>
+          </a:p>
+        </p:txBody>
+      </p:sp>
+      <p:pic>
+        <p:nvPicPr>
+          <p:cNvPr id="2050" name="Picture 2" descr="C:\Users\Home\Downloads\Яндекс лицей\Pygame проект\Images\Backgrounds\pressbackground.png"/>
+          <p:cNvPicPr>
+            <a:picLocks noChangeAspect="1" noChangeArrowheads="1"/>
+          </p:cNvPicPr>
+          <p:nvPr/>
+        </p:nvPicPr>
+        <p:blipFill rotWithShape="1">
+          <a:blip r:embed="rId2">
+            <a:extLst>
+              <a:ext uri="{28A0092B-C50C-407E-A947-70E740481C1C}">
+                <a14:useLocalDpi xmlns:a14="http://schemas.microsoft.com/office/drawing/2010/main" val="0"/>
+              </a:ext>
+            </a:extLst>
+          </a:blip>
+          <a:srcRect l="21119" t="28869" r="32250" b="11261"/>
+          <a:stretch/>
+        </p:blipFill>
+        <p:spPr bwMode="auto">
+          <a:xfrm>
+            <a:off x="0" y="-333375"/>
+            <a:ext cx="9688404" cy="7191375"/>
+          </a:xfrm>
+          <a:prstGeom prst="rect">
+            <a:avLst/>
+          </a:prstGeom>
+          <a:noFill/>
+          <a:extLst>
+            <a:ext uri="{909E8E84-426E-40DD-AFC4-6F175D3DCCD1}">
+              <a14:hiddenFill xmlns:a14="http://schemas.microsoft.com/office/drawing/2010/main">
+                <a:solidFill>
+                  <a:srgbClr val="FFFFFF"/>
+                </a:solidFill>
+              </a14:hiddenFill>
+            </a:ext>
+          </a:extLst>
+        </p:spPr>
+      </p:pic>
+      <p:sp>
+        <p:nvSpPr>
+          <p:cNvPr id="7" name="Прямоугольник 6"/>
+          <p:cNvSpPr/>
+          <p:nvPr/>
+        </p:nvSpPr>
+        <p:spPr>
+          <a:xfrm>
+            <a:off x="-252536" y="1412776"/>
+            <a:ext cx="7056784" cy="1440160"/>
+          </a:xfrm>
+          <a:prstGeom prst="rect">
+            <a:avLst/>
+          </a:prstGeom>
+          <a:solidFill>
+            <a:schemeClr val="accent5">
+              <a:lumMod val="60000"/>
+              <a:lumOff val="40000"/>
+            </a:schemeClr>
+          </a:solidFill>
+          <a:ln w="19050">
+            <a:solidFill>
+              <a:schemeClr val="tx1"/>
+            </a:solidFill>
+          </a:ln>
+        </p:spPr>
+        <p:style>
+          <a:lnRef idx="2">
+            <a:schemeClr val="accent1">
+              <a:shade val="50000"/>
+            </a:schemeClr>
+          </a:lnRef>
+          <a:fillRef idx="1">
+            <a:schemeClr val="accent1"/>
+          </a:fillRef>
+          <a:effectRef idx="0">
+            <a:schemeClr val="accent1"/>
+          </a:effectRef>
+          <a:fontRef idx="minor">
+            <a:schemeClr val="lt1"/>
+          </a:fontRef>
+        </p:style>
+        <p:txBody>
+          <a:bodyPr rtlCol="0" anchor="ctr"/>
+          <a:lstStyle/>
+          <a:p>
+            <a:pPr algn="ctr"/>
+            <a:endParaRPr lang="ru-RU"/>
+          </a:p>
+        </p:txBody>
+      </p:sp>
+      <p:sp>
+        <p:nvSpPr>
           <p:cNvPr id="2" name="Заголовок 1"/>
           <p:cNvSpPr>
             <a:spLocks noGrp="1"/>
@@ -4169,14 +4350,77 @@
           <a:lstStyle/>
           <a:p>
             <a:r>
-              <a:rPr lang="en-US" sz="6000" dirty="0" err="1" smtClean="0"/>
+              <a:rPr lang="en-US" sz="6000" dirty="0" err="1" smtClean="0">
+                <a:solidFill>
+                  <a:schemeClr val="tx1"/>
+                </a:solidFill>
+              </a:rPr>
               <a:t>IMperfect</a:t>
             </a:r>
             <a:r>
-              <a:rPr lang="en-US" sz="6000" dirty="0" smtClean="0"/>
+              <a:rPr lang="en-US" sz="6000" dirty="0" smtClean="0">
+                <a:solidFill>
+                  <a:schemeClr val="tx1"/>
+                </a:solidFill>
+              </a:rPr>
               <a:t> World</a:t>
             </a:r>
-            <a:endParaRPr lang="ru-RU" sz="6000" dirty="0"/>
+            <a:endParaRPr lang="ru-RU" sz="6000" dirty="0">
+              <a:solidFill>
+                <a:schemeClr val="tx1"/>
+              </a:solidFill>
+            </a:endParaRPr>
+          </a:p>
+        </p:txBody>
+      </p:sp>
+      <p:sp>
+        <p:nvSpPr>
+          <p:cNvPr id="6" name="Прямоугольник 5"/>
+          <p:cNvSpPr/>
+          <p:nvPr/>
+        </p:nvSpPr>
+        <p:spPr>
+          <a:xfrm>
+            <a:off x="14888" y="5373216"/>
+            <a:ext cx="9673516" cy="1080120"/>
+          </a:xfrm>
+          <a:prstGeom prst="rect">
+            <a:avLst/>
+          </a:prstGeom>
+          <a:solidFill>
+            <a:schemeClr val="accent5">
+              <a:lumMod val="60000"/>
+              <a:lumOff val="40000"/>
+            </a:schemeClr>
+          </a:solidFill>
+          <a:ln w="19050">
+            <a:solidFill>
+              <a:schemeClr val="tx1"/>
+            </a:solidFill>
+          </a:ln>
+        </p:spPr>
+        <p:style>
+          <a:lnRef idx="2">
+            <a:schemeClr val="accent1">
+              <a:shade val="50000"/>
+            </a:schemeClr>
+          </a:lnRef>
+          <a:fillRef idx="1">
+            <a:schemeClr val="accent1"/>
+          </a:fillRef>
+          <a:effectRef idx="0">
+            <a:schemeClr val="accent1"/>
+          </a:effectRef>
+          <a:fontRef idx="minor">
+            <a:schemeClr val="lt1"/>
+          </a:fontRef>
+        </p:style>
+        <p:txBody>
+          <a:bodyPr rtlCol="0" anchor="ctr"/>
+          <a:lstStyle/>
+          <a:p>
+            <a:pPr algn="ctr"/>
+            <a:endParaRPr lang="ru-RU"/>
           </a:p>
         </p:txBody>
       </p:sp>
@@ -4202,18 +4446,34 @@
           <a:p>
             <a:pPr algn="ctr"/>
             <a:r>
-              <a:rPr lang="ru-RU" dirty="0" smtClean="0"/>
+              <a:rPr lang="ru-RU" dirty="0" smtClean="0">
+                <a:solidFill>
+                  <a:schemeClr val="tx1"/>
+                </a:solidFill>
+              </a:rPr>
               <a:t>Проект по теме </a:t>
             </a:r>
             <a:r>
-              <a:rPr lang="en-US" dirty="0" err="1" smtClean="0"/>
+              <a:rPr lang="en-US" dirty="0" err="1" smtClean="0">
+                <a:solidFill>
+                  <a:schemeClr val="tx1"/>
+                </a:solidFill>
+              </a:rPr>
               <a:t>Pygame</a:t>
             </a:r>
             <a:r>
-              <a:rPr lang="ru-RU" dirty="0" smtClean="0"/>
+              <a:rPr lang="ru-RU" dirty="0" smtClean="0">
+                <a:solidFill>
+                  <a:schemeClr val="tx1"/>
+                </a:solidFill>
+              </a:rPr>
               <a:t> Королева Кирилла Романовича</a:t>
             </a:r>
-            <a:endParaRPr lang="ru-RU" dirty="0"/>
+            <a:endParaRPr lang="ru-RU" dirty="0">
+              <a:solidFill>
+                <a:schemeClr val="tx1"/>
+              </a:solidFill>
+            </a:endParaRPr>
           </a:p>
         </p:txBody>
       </p:sp>
@@ -4256,6 +4516,189 @@
       </p:grpSpPr>
       <p:sp>
         <p:nvSpPr>
+          <p:cNvPr id="5" name="Прямоугольный треугольник 4"/>
+          <p:cNvSpPr/>
+          <p:nvPr/>
+        </p:nvSpPr>
+        <p:spPr>
+          <a:xfrm rot="10800000">
+            <a:off x="167288" y="-180975"/>
+            <a:ext cx="9521116" cy="7191375"/>
+          </a:xfrm>
+          <a:prstGeom prst="rtTriangle">
+            <a:avLst/>
+          </a:prstGeom>
+          <a:solidFill>
+            <a:srgbClr val="92D050"/>
+          </a:solidFill>
+          <a:ln w="76200">
+            <a:solidFill>
+              <a:schemeClr val="tx1"/>
+            </a:solidFill>
+          </a:ln>
+        </p:spPr>
+        <p:style>
+          <a:lnRef idx="2">
+            <a:schemeClr val="accent1">
+              <a:shade val="50000"/>
+            </a:schemeClr>
+          </a:lnRef>
+          <a:fillRef idx="1">
+            <a:schemeClr val="accent1"/>
+          </a:fillRef>
+          <a:effectRef idx="0">
+            <a:schemeClr val="accent1"/>
+          </a:effectRef>
+          <a:fontRef idx="minor">
+            <a:schemeClr val="lt1"/>
+          </a:fontRef>
+        </p:style>
+        <p:txBody>
+          <a:bodyPr rtlCol="0" anchor="ctr"/>
+          <a:lstStyle/>
+          <a:p>
+            <a:pPr algn="ctr"/>
+            <a:endParaRPr lang="ru-RU"/>
+          </a:p>
+        </p:txBody>
+      </p:sp>
+      <p:sp>
+        <p:nvSpPr>
+          <p:cNvPr id="4" name="Прямоугольный треугольник 3"/>
+          <p:cNvSpPr/>
+          <p:nvPr/>
+        </p:nvSpPr>
+        <p:spPr>
+          <a:xfrm>
+            <a:off x="14888" y="-333375"/>
+            <a:ext cx="9521116" cy="7191375"/>
+          </a:xfrm>
+          <a:prstGeom prst="rtTriangle">
+            <a:avLst/>
+          </a:prstGeom>
+          <a:solidFill>
+            <a:srgbClr val="82148E"/>
+          </a:solidFill>
+        </p:spPr>
+        <p:style>
+          <a:lnRef idx="2">
+            <a:schemeClr val="accent1">
+              <a:shade val="50000"/>
+            </a:schemeClr>
+          </a:lnRef>
+          <a:fillRef idx="1">
+            <a:schemeClr val="accent1"/>
+          </a:fillRef>
+          <a:effectRef idx="0">
+            <a:schemeClr val="accent1"/>
+          </a:effectRef>
+          <a:fontRef idx="minor">
+            <a:schemeClr val="lt1"/>
+          </a:fontRef>
+        </p:style>
+        <p:txBody>
+          <a:bodyPr rtlCol="0" anchor="ctr"/>
+          <a:lstStyle/>
+          <a:p>
+            <a:pPr algn="ctr"/>
+            <a:endParaRPr lang="ru-RU"/>
+          </a:p>
+        </p:txBody>
+      </p:sp>
+      <p:sp>
+        <p:nvSpPr>
+          <p:cNvPr id="7" name="Параллелограмм 6"/>
+          <p:cNvSpPr/>
+          <p:nvPr/>
+        </p:nvSpPr>
+        <p:spPr>
+          <a:xfrm>
+            <a:off x="-283671" y="2348880"/>
+            <a:ext cx="10118234" cy="3403788"/>
+          </a:xfrm>
+          <a:prstGeom prst="parallelogram">
+            <a:avLst>
+              <a:gd name="adj" fmla="val 0"/>
+            </a:avLst>
+          </a:prstGeom>
+          <a:ln>
+            <a:solidFill>
+              <a:schemeClr val="tx1"/>
+            </a:solidFill>
+          </a:ln>
+        </p:spPr>
+        <p:style>
+          <a:lnRef idx="2">
+            <a:schemeClr val="accent1">
+              <a:shade val="50000"/>
+            </a:schemeClr>
+          </a:lnRef>
+          <a:fillRef idx="1">
+            <a:schemeClr val="accent1"/>
+          </a:fillRef>
+          <a:effectRef idx="0">
+            <a:schemeClr val="accent1"/>
+          </a:effectRef>
+          <a:fontRef idx="minor">
+            <a:schemeClr val="lt1"/>
+          </a:fontRef>
+        </p:style>
+        <p:txBody>
+          <a:bodyPr rtlCol="0" anchor="ctr"/>
+          <a:lstStyle/>
+          <a:p>
+            <a:pPr algn="ctr"/>
+            <a:endParaRPr lang="ru-RU"/>
+          </a:p>
+        </p:txBody>
+      </p:sp>
+      <p:sp>
+        <p:nvSpPr>
+          <p:cNvPr id="9" name="Прямоугольник 8"/>
+          <p:cNvSpPr/>
+          <p:nvPr/>
+        </p:nvSpPr>
+        <p:spPr>
+          <a:xfrm>
+            <a:off x="-442286" y="620688"/>
+            <a:ext cx="4578075" cy="1059581"/>
+          </a:xfrm>
+          <a:prstGeom prst="rect">
+            <a:avLst/>
+          </a:prstGeom>
+          <a:ln>
+            <a:solidFill>
+              <a:schemeClr val="tx1"/>
+            </a:solidFill>
+          </a:ln>
+        </p:spPr>
+        <p:style>
+          <a:lnRef idx="2">
+            <a:schemeClr val="accent1">
+              <a:shade val="50000"/>
+            </a:schemeClr>
+          </a:lnRef>
+          <a:fillRef idx="1">
+            <a:schemeClr val="accent1"/>
+          </a:fillRef>
+          <a:effectRef idx="0">
+            <a:schemeClr val="accent1"/>
+          </a:effectRef>
+          <a:fontRef idx="minor">
+            <a:schemeClr val="lt1"/>
+          </a:fontRef>
+        </p:style>
+        <p:txBody>
+          <a:bodyPr rtlCol="0" anchor="ctr"/>
+          <a:lstStyle/>
+          <a:p>
+            <a:pPr algn="ctr"/>
+            <a:endParaRPr lang="ru-RU"/>
+          </a:p>
+        </p:txBody>
+      </p:sp>
+      <p:sp>
+        <p:nvSpPr>
           <p:cNvPr id="2" name="Заголовок 1"/>
           <p:cNvSpPr>
             <a:spLocks noGrp="1"/>
@@ -4264,16 +4707,37 @@
             <p:ph type="title"/>
           </p:nvPr>
         </p:nvSpPr>
-        <p:spPr/>
+        <p:spPr>
+          <a:xfrm>
+            <a:off x="1403648" y="593762"/>
+            <a:ext cx="2952328" cy="1143000"/>
+          </a:xfrm>
+        </p:spPr>
         <p:txBody>
           <a:bodyPr/>
           <a:lstStyle/>
           <a:p>
             <a:r>
-              <a:rPr lang="ru-RU" dirty="0" smtClean="0"/>
-              <a:t>Описание</a:t>
-            </a:r>
-            <a:endParaRPr lang="ru-RU" dirty="0"/>
+              <a:rPr lang="ru-RU" b="1" dirty="0" smtClean="0">
+                <a:solidFill>
+                  <a:schemeClr val="tx1"/>
+                </a:solidFill>
+              </a:rPr>
+              <a:t>О</a:t>
+            </a:r>
+            <a:r>
+              <a:rPr lang="ru-RU" dirty="0" smtClean="0">
+                <a:solidFill>
+                  <a:schemeClr val="tx1"/>
+                </a:solidFill>
+              </a:rPr>
+              <a:t>писание</a:t>
+            </a:r>
+            <a:endParaRPr lang="ru-RU" dirty="0">
+              <a:solidFill>
+                <a:schemeClr val="tx1"/>
+              </a:solidFill>
+            </a:endParaRPr>
           </a:p>
         </p:txBody>
       </p:sp>
@@ -4287,39 +4751,256 @@
             <p:ph idx="1"/>
           </p:nvPr>
         </p:nvSpPr>
-        <p:spPr/>
+        <p:spPr>
+          <a:xfrm>
+            <a:off x="156957" y="2613009"/>
+            <a:ext cx="8987043" cy="2875529"/>
+          </a:xfrm>
+        </p:spPr>
         <p:txBody>
           <a:bodyPr>
             <a:normAutofit/>
           </a:bodyPr>
           <a:lstStyle/>
           <a:p>
-            <a:pPr marL="82296" indent="0">
+            <a:pPr marL="82296" indent="0" algn="ctr">
               <a:buNone/>
             </a:pPr>
             <a:r>
               <a:rPr lang="en-US" dirty="0" smtClean="0"/>
-              <a:t>“Imperfect World: At The Bottom” </a:t>
+              <a:t>“</a:t>
+            </a:r>
+            <a:r>
+              <a:rPr lang="en-US" b="1" dirty="0" smtClean="0"/>
+              <a:t>I</a:t>
+            </a:r>
+            <a:r>
+              <a:rPr lang="en-US" dirty="0" smtClean="0"/>
+              <a:t>mperfect </a:t>
+            </a:r>
+            <a:r>
+              <a:rPr lang="en-US" b="1" dirty="0" smtClean="0"/>
+              <a:t>W</a:t>
+            </a:r>
+            <a:r>
+              <a:rPr lang="en-US" dirty="0" smtClean="0"/>
+              <a:t>orld: </a:t>
+            </a:r>
+            <a:r>
+              <a:rPr lang="en-US" b="1" dirty="0" smtClean="0"/>
+              <a:t>A</a:t>
+            </a:r>
+            <a:r>
+              <a:rPr lang="en-US" dirty="0" smtClean="0"/>
+              <a:t>t </a:t>
+            </a:r>
+            <a:r>
+              <a:rPr lang="en-US" b="1" dirty="0" smtClean="0"/>
+              <a:t>T</a:t>
+            </a:r>
+            <a:r>
+              <a:rPr lang="en-US" dirty="0" smtClean="0"/>
+              <a:t>he </a:t>
+            </a:r>
+            <a:r>
+              <a:rPr lang="en-US" b="1" dirty="0" smtClean="0"/>
+              <a:t>B</a:t>
+            </a:r>
+            <a:r>
+              <a:rPr lang="en-US" dirty="0" smtClean="0"/>
+              <a:t>ottom” </a:t>
+            </a:r>
+            <a:r>
+              <a:rPr lang="ru-RU" b="1" dirty="0" smtClean="0"/>
+              <a:t>я</a:t>
             </a:r>
             <a:r>
               <a:rPr lang="ru-RU" dirty="0" smtClean="0"/>
-              <a:t>является сюжетной </a:t>
+              <a:t>вляется </a:t>
+            </a:r>
+            <a:r>
+              <a:rPr lang="ru-RU" b="1" dirty="0" smtClean="0"/>
+              <a:t>с</a:t>
+            </a:r>
+            <a:r>
+              <a:rPr lang="ru-RU" dirty="0" smtClean="0"/>
+              <a:t>южетной </a:t>
+            </a:r>
+            <a:r>
+              <a:rPr lang="en-US" b="1" dirty="0" smtClean="0"/>
+              <a:t>t</a:t>
             </a:r>
             <a:r>
               <a:rPr lang="en-US" dirty="0" smtClean="0"/>
-              <a:t>top-down shooter </a:t>
+              <a:t>op-</a:t>
+            </a:r>
+            <a:r>
+              <a:rPr lang="en-US" b="1" dirty="0" smtClean="0"/>
+              <a:t>d</a:t>
+            </a:r>
+            <a:r>
+              <a:rPr lang="en-US" dirty="0" smtClean="0"/>
+              <a:t>own </a:t>
+            </a:r>
+            <a:r>
+              <a:rPr lang="en-US" b="1" dirty="0" smtClean="0"/>
+              <a:t>s</a:t>
+            </a:r>
+            <a:r>
+              <a:rPr lang="en-US" dirty="0" smtClean="0"/>
+              <a:t>hooter </a:t>
+            </a:r>
+            <a:r>
+              <a:rPr lang="ru-RU" b="1" dirty="0" smtClean="0"/>
+              <a:t>и</a:t>
             </a:r>
             <a:r>
               <a:rPr lang="ru-RU" dirty="0" smtClean="0"/>
-              <a:t>игрой. Полный сюжет будет представлен в отдельном файле с возможностью посмотреть его в любой момент для большего понимания </a:t>
-            </a:r>
-            <a:r>
-              <a:rPr lang="ru-RU" dirty="0" err="1" smtClean="0"/>
-              <a:t>ситации</a:t>
+              <a:t>грой. </a:t>
+            </a:r>
+            <a:r>
+              <a:rPr lang="ru-RU" b="1" dirty="0" smtClean="0"/>
+              <a:t>П</a:t>
             </a:r>
             <a:r>
               <a:rPr lang="ru-RU" dirty="0" smtClean="0"/>
-              <a:t>.</a:t>
+              <a:t>олный </a:t>
+            </a:r>
+            <a:r>
+              <a:rPr lang="ru-RU" b="1" dirty="0" smtClean="0"/>
+              <a:t>с</a:t>
+            </a:r>
+            <a:r>
+              <a:rPr lang="ru-RU" dirty="0" smtClean="0"/>
+              <a:t>южет </a:t>
+            </a:r>
+            <a:r>
+              <a:rPr lang="ru-RU" b="1" dirty="0" smtClean="0"/>
+              <a:t>б</a:t>
+            </a:r>
+            <a:r>
+              <a:rPr lang="ru-RU" dirty="0" smtClean="0"/>
+              <a:t>удет </a:t>
+            </a:r>
+            <a:r>
+              <a:rPr lang="ru-RU" b="1" dirty="0" smtClean="0"/>
+              <a:t>п</a:t>
+            </a:r>
+            <a:r>
+              <a:rPr lang="ru-RU" dirty="0" smtClean="0"/>
+              <a:t>редставлен </a:t>
+            </a:r>
+            <a:r>
+              <a:rPr lang="ru-RU" b="1" dirty="0" smtClean="0"/>
+              <a:t>в</a:t>
+            </a:r>
+            <a:r>
+              <a:rPr lang="ru-RU" dirty="0" smtClean="0"/>
+              <a:t> </a:t>
+            </a:r>
+            <a:r>
+              <a:rPr lang="ru-RU" b="1" dirty="0" smtClean="0"/>
+              <a:t>о</a:t>
+            </a:r>
+            <a:r>
+              <a:rPr lang="ru-RU" dirty="0" smtClean="0"/>
+              <a:t>тдельном </a:t>
+            </a:r>
+            <a:r>
+              <a:rPr lang="ru-RU" b="1" dirty="0" smtClean="0"/>
+              <a:t>ф</a:t>
+            </a:r>
+            <a:r>
+              <a:rPr lang="ru-RU" dirty="0" smtClean="0"/>
+              <a:t>айле </a:t>
+            </a:r>
+            <a:r>
+              <a:rPr lang="ru-RU" b="1" dirty="0" smtClean="0"/>
+              <a:t>с</a:t>
+            </a:r>
+            <a:r>
+              <a:rPr lang="ru-RU" dirty="0" smtClean="0"/>
+              <a:t> </a:t>
+            </a:r>
+            <a:r>
+              <a:rPr lang="ru-RU" b="1" dirty="0" smtClean="0"/>
+              <a:t>в</a:t>
+            </a:r>
+            <a:r>
+              <a:rPr lang="ru-RU" dirty="0" smtClean="0"/>
+              <a:t>озможностью </a:t>
+            </a:r>
+            <a:r>
+              <a:rPr lang="ru-RU" b="1" dirty="0" smtClean="0"/>
+              <a:t>п</a:t>
+            </a:r>
+            <a:r>
+              <a:rPr lang="ru-RU" dirty="0" smtClean="0"/>
+              <a:t>осмотреть </a:t>
+            </a:r>
+            <a:r>
+              <a:rPr lang="ru-RU" b="1" dirty="0" smtClean="0"/>
+              <a:t>е</a:t>
+            </a:r>
+            <a:r>
+              <a:rPr lang="ru-RU" dirty="0" smtClean="0"/>
+              <a:t>го </a:t>
+            </a:r>
+            <a:r>
+              <a:rPr lang="ru-RU" b="1" dirty="0" smtClean="0"/>
+              <a:t>в</a:t>
+            </a:r>
+            <a:r>
+              <a:rPr lang="ru-RU" dirty="0" smtClean="0"/>
+              <a:t> </a:t>
+            </a:r>
+            <a:r>
+              <a:rPr lang="ru-RU" b="1" dirty="0" smtClean="0"/>
+              <a:t>л</a:t>
+            </a:r>
+            <a:r>
+              <a:rPr lang="ru-RU" dirty="0" smtClean="0"/>
+              <a:t>юбой </a:t>
+            </a:r>
+            <a:r>
+              <a:rPr lang="ru-RU" b="1" dirty="0" smtClean="0"/>
+              <a:t>м</a:t>
+            </a:r>
+            <a:r>
+              <a:rPr lang="ru-RU" dirty="0" smtClean="0"/>
+              <a:t>омент </a:t>
+            </a:r>
+            <a:r>
+              <a:rPr lang="ru-RU" b="1" dirty="0" smtClean="0"/>
+              <a:t>д</a:t>
+            </a:r>
+            <a:r>
+              <a:rPr lang="ru-RU" dirty="0" smtClean="0"/>
+              <a:t>ля </a:t>
+            </a:r>
+            <a:r>
+              <a:rPr lang="ru-RU" b="1" dirty="0" smtClean="0"/>
+              <a:t>б</a:t>
+            </a:r>
+            <a:r>
+              <a:rPr lang="ru-RU" dirty="0" smtClean="0"/>
+              <a:t>ольшего </a:t>
+            </a:r>
+            <a:r>
+              <a:rPr lang="ru-RU" b="1" dirty="0" smtClean="0"/>
+              <a:t>п</a:t>
+            </a:r>
+            <a:r>
+              <a:rPr lang="ru-RU" dirty="0" smtClean="0"/>
+              <a:t>онимания </a:t>
+            </a:r>
+            <a:r>
+              <a:rPr lang="ru-RU" b="1" dirty="0" smtClean="0"/>
+              <a:t>с</a:t>
+            </a:r>
+            <a:r>
+              <a:rPr lang="ru-RU" dirty="0" smtClean="0"/>
+              <a:t>итуации.</a:t>
             </a:r>
             <a:endParaRPr lang="ru-RU" dirty="0"/>
           </a:p>
@@ -4364,6 +5045,277 @@
       </p:grpSpPr>
       <p:sp>
         <p:nvSpPr>
+          <p:cNvPr id="9" name="Прямоугольный треугольник 8"/>
+          <p:cNvSpPr/>
+          <p:nvPr/>
+        </p:nvSpPr>
+        <p:spPr>
+          <a:xfrm rot="10800000">
+            <a:off x="14888" y="-333375"/>
+            <a:ext cx="9521116" cy="7191375"/>
+          </a:xfrm>
+          <a:prstGeom prst="rtTriangle">
+            <a:avLst/>
+          </a:prstGeom>
+          <a:solidFill>
+            <a:srgbClr val="92D050"/>
+          </a:solidFill>
+          <a:ln w="76200">
+            <a:solidFill>
+              <a:schemeClr val="tx1"/>
+            </a:solidFill>
+          </a:ln>
+        </p:spPr>
+        <p:style>
+          <a:lnRef idx="2">
+            <a:schemeClr val="accent1">
+              <a:shade val="50000"/>
+            </a:schemeClr>
+          </a:lnRef>
+          <a:fillRef idx="1">
+            <a:schemeClr val="accent1"/>
+          </a:fillRef>
+          <a:effectRef idx="0">
+            <a:schemeClr val="accent1"/>
+          </a:effectRef>
+          <a:fontRef idx="minor">
+            <a:schemeClr val="lt1"/>
+          </a:fontRef>
+        </p:style>
+        <p:txBody>
+          <a:bodyPr rtlCol="0" anchor="ctr"/>
+          <a:lstStyle/>
+          <a:p>
+            <a:pPr algn="ctr"/>
+            <a:endParaRPr lang="ru-RU"/>
+          </a:p>
+        </p:txBody>
+      </p:sp>
+      <p:sp>
+        <p:nvSpPr>
+          <p:cNvPr id="5" name="Прямоугольный треугольник 4"/>
+          <p:cNvSpPr/>
+          <p:nvPr/>
+        </p:nvSpPr>
+        <p:spPr>
+          <a:xfrm>
+            <a:off x="14888" y="-333375"/>
+            <a:ext cx="9521116" cy="7191375"/>
+          </a:xfrm>
+          <a:prstGeom prst="rtTriangle">
+            <a:avLst/>
+          </a:prstGeom>
+          <a:solidFill>
+            <a:srgbClr val="82148E"/>
+          </a:solidFill>
+        </p:spPr>
+        <p:style>
+          <a:lnRef idx="2">
+            <a:schemeClr val="accent1">
+              <a:shade val="50000"/>
+            </a:schemeClr>
+          </a:lnRef>
+          <a:fillRef idx="1">
+            <a:schemeClr val="accent1"/>
+          </a:fillRef>
+          <a:effectRef idx="0">
+            <a:schemeClr val="accent1"/>
+          </a:effectRef>
+          <a:fontRef idx="minor">
+            <a:schemeClr val="lt1"/>
+          </a:fontRef>
+        </p:style>
+        <p:txBody>
+          <a:bodyPr rtlCol="0" anchor="ctr"/>
+          <a:lstStyle/>
+          <a:p>
+            <a:pPr algn="ctr"/>
+            <a:endParaRPr lang="ru-RU"/>
+          </a:p>
+        </p:txBody>
+      </p:sp>
+      <p:sp>
+        <p:nvSpPr>
+          <p:cNvPr id="8" name="Прямоугольник 7"/>
+          <p:cNvSpPr/>
+          <p:nvPr/>
+        </p:nvSpPr>
+        <p:spPr>
+          <a:xfrm>
+            <a:off x="4990906" y="332656"/>
+            <a:ext cx="3181494" cy="1224136"/>
+          </a:xfrm>
+          <a:prstGeom prst="rect">
+            <a:avLst/>
+          </a:prstGeom>
+          <a:ln>
+            <a:solidFill>
+              <a:schemeClr val="tx1"/>
+            </a:solidFill>
+          </a:ln>
+        </p:spPr>
+        <p:style>
+          <a:lnRef idx="2">
+            <a:schemeClr val="accent1">
+              <a:shade val="50000"/>
+            </a:schemeClr>
+          </a:lnRef>
+          <a:fillRef idx="1">
+            <a:schemeClr val="accent1"/>
+          </a:fillRef>
+          <a:effectRef idx="0">
+            <a:schemeClr val="accent1"/>
+          </a:effectRef>
+          <a:fontRef idx="minor">
+            <a:schemeClr val="lt1"/>
+          </a:fontRef>
+        </p:style>
+        <p:txBody>
+          <a:bodyPr rtlCol="0" anchor="ctr"/>
+          <a:lstStyle/>
+          <a:p>
+            <a:pPr algn="ctr"/>
+            <a:endParaRPr lang="ru-RU"/>
+          </a:p>
+        </p:txBody>
+      </p:sp>
+      <p:sp>
+        <p:nvSpPr>
+          <p:cNvPr id="7" name="Прямоугольник 6"/>
+          <p:cNvSpPr/>
+          <p:nvPr/>
+        </p:nvSpPr>
+        <p:spPr>
+          <a:xfrm>
+            <a:off x="2699792" y="332656"/>
+            <a:ext cx="5472608" cy="864096"/>
+          </a:xfrm>
+          <a:prstGeom prst="rect">
+            <a:avLst/>
+          </a:prstGeom>
+          <a:ln>
+            <a:noFill/>
+          </a:ln>
+        </p:spPr>
+        <p:style>
+          <a:lnRef idx="2">
+            <a:schemeClr val="accent1">
+              <a:shade val="50000"/>
+            </a:schemeClr>
+          </a:lnRef>
+          <a:fillRef idx="1">
+            <a:schemeClr val="accent1"/>
+          </a:fillRef>
+          <a:effectRef idx="0">
+            <a:schemeClr val="accent1"/>
+          </a:effectRef>
+          <a:fontRef idx="minor">
+            <a:schemeClr val="lt1"/>
+          </a:fontRef>
+        </p:style>
+        <p:txBody>
+          <a:bodyPr rtlCol="0" anchor="ctr"/>
+          <a:lstStyle/>
+          <a:p>
+            <a:pPr algn="ctr"/>
+            <a:endParaRPr lang="ru-RU"/>
+          </a:p>
+        </p:txBody>
+      </p:sp>
+      <p:sp>
+        <p:nvSpPr>
+          <p:cNvPr id="11" name="Прямоугольник 10"/>
+          <p:cNvSpPr/>
+          <p:nvPr/>
+        </p:nvSpPr>
+        <p:spPr>
+          <a:xfrm>
+            <a:off x="4990906" y="332656"/>
+            <a:ext cx="7004489" cy="1440160"/>
+          </a:xfrm>
+          <a:prstGeom prst="rect">
+            <a:avLst/>
+          </a:prstGeom>
+          <a:ln>
+            <a:noFill/>
+          </a:ln>
+        </p:spPr>
+        <p:style>
+          <a:lnRef idx="2">
+            <a:schemeClr val="accent1">
+              <a:shade val="50000"/>
+            </a:schemeClr>
+          </a:lnRef>
+          <a:fillRef idx="1">
+            <a:schemeClr val="accent1"/>
+          </a:fillRef>
+          <a:effectRef idx="0">
+            <a:schemeClr val="accent1"/>
+          </a:effectRef>
+          <a:fontRef idx="minor">
+            <a:schemeClr val="lt1"/>
+          </a:fontRef>
+        </p:style>
+        <p:txBody>
+          <a:bodyPr rtlCol="0" anchor="ctr"/>
+          <a:lstStyle/>
+          <a:p>
+            <a:pPr algn="ctr"/>
+            <a:endParaRPr lang="ru-RU">
+              <a:ln>
+                <a:solidFill>
+                  <a:sysClr val="windowText" lastClr="000000"/>
+                </a:solidFill>
+              </a:ln>
+            </a:endParaRPr>
+          </a:p>
+        </p:txBody>
+      </p:sp>
+      <p:sp>
+        <p:nvSpPr>
+          <p:cNvPr id="10" name="Прямоугольник 9"/>
+          <p:cNvSpPr/>
+          <p:nvPr/>
+        </p:nvSpPr>
+        <p:spPr>
+          <a:xfrm>
+            <a:off x="4990906" y="692696"/>
+            <a:ext cx="3181494" cy="504056"/>
+          </a:xfrm>
+          <a:prstGeom prst="rect">
+            <a:avLst/>
+          </a:prstGeom>
+          <a:ln>
+            <a:noFill/>
+          </a:ln>
+        </p:spPr>
+        <p:style>
+          <a:lnRef idx="2">
+            <a:schemeClr val="accent1">
+              <a:shade val="50000"/>
+            </a:schemeClr>
+          </a:lnRef>
+          <a:fillRef idx="1">
+            <a:schemeClr val="accent1"/>
+          </a:fillRef>
+          <a:effectRef idx="0">
+            <a:schemeClr val="accent1"/>
+          </a:effectRef>
+          <a:fontRef idx="minor">
+            <a:schemeClr val="lt1"/>
+          </a:fontRef>
+        </p:style>
+        <p:txBody>
+          <a:bodyPr rtlCol="0" anchor="ctr"/>
+          <a:lstStyle/>
+          <a:p>
+            <a:pPr algn="ctr"/>
+            <a:endParaRPr lang="ru-RU"/>
+          </a:p>
+        </p:txBody>
+      </p:sp>
+      <p:sp>
+        <p:nvSpPr>
           <p:cNvPr id="2" name="Заголовок 1"/>
           <p:cNvSpPr>
             <a:spLocks noGrp="1"/>
@@ -4372,41 +5324,116 @@
             <p:ph type="title"/>
           </p:nvPr>
         </p:nvSpPr>
-        <p:spPr/>
+        <p:spPr>
+          <a:xfrm>
+            <a:off x="2987824" y="332656"/>
+            <a:ext cx="5832648" cy="1237530"/>
+          </a:xfrm>
+        </p:spPr>
+        <p:txBody>
+          <a:bodyPr>
+            <a:normAutofit fontScale="90000"/>
+          </a:bodyPr>
+          <a:lstStyle/>
+          <a:p>
+            <a:r>
+              <a:rPr lang="ru-RU" b="1" dirty="0" smtClean="0">
+                <a:solidFill>
+                  <a:schemeClr val="tx1"/>
+                </a:solidFill>
+                <a:latin typeface="Bahnschrift Light" pitchFamily="34" charset="0"/>
+              </a:rPr>
+              <a:t>И</a:t>
+            </a:r>
+            <a:r>
+              <a:rPr lang="ru-RU" dirty="0" smtClean="0">
+                <a:solidFill>
+                  <a:schemeClr val="tx1"/>
+                </a:solidFill>
+                <a:latin typeface="Bahnschrift Light" pitchFamily="34" charset="0"/>
+              </a:rPr>
+              <a:t>спользованные</a:t>
+            </a:r>
+            <a:br>
+              <a:rPr lang="ru-RU" dirty="0" smtClean="0">
+                <a:solidFill>
+                  <a:schemeClr val="tx1"/>
+                </a:solidFill>
+                <a:latin typeface="Bahnschrift Light" pitchFamily="34" charset="0"/>
+              </a:rPr>
+            </a:br>
+            <a:r>
+              <a:rPr lang="ru-RU" dirty="0">
+                <a:solidFill>
+                  <a:schemeClr val="tx1"/>
+                </a:solidFill>
+                <a:latin typeface="Bahnschrift Light" pitchFamily="34" charset="0"/>
+              </a:rPr>
+              <a:t> </a:t>
+            </a:r>
+            <a:r>
+              <a:rPr lang="ru-RU" dirty="0" smtClean="0">
+                <a:solidFill>
+                  <a:schemeClr val="tx1"/>
+                </a:solidFill>
+                <a:latin typeface="Bahnschrift Light" pitchFamily="34" charset="0"/>
+              </a:rPr>
+              <a:t>                </a:t>
+            </a:r>
+            <a:r>
+              <a:rPr lang="ru-RU" b="1" dirty="0" smtClean="0">
+                <a:solidFill>
+                  <a:schemeClr val="tx1"/>
+                </a:solidFill>
+                <a:latin typeface="Bahnschrift Light" pitchFamily="34" charset="0"/>
+              </a:rPr>
+              <a:t>б</a:t>
+            </a:r>
+            <a:r>
+              <a:rPr lang="ru-RU" dirty="0" smtClean="0">
+                <a:solidFill>
+                  <a:schemeClr val="tx1"/>
+                </a:solidFill>
+                <a:latin typeface="Bahnschrift Light" pitchFamily="34" charset="0"/>
+              </a:rPr>
+              <a:t>иблиотеки</a:t>
+            </a:r>
+            <a:endParaRPr lang="ru-RU" dirty="0">
+              <a:solidFill>
+                <a:schemeClr val="tx1"/>
+              </a:solidFill>
+              <a:latin typeface="Bahnschrift Light" pitchFamily="34" charset="0"/>
+            </a:endParaRPr>
+          </a:p>
+        </p:txBody>
+      </p:sp>
+      <p:sp>
+        <p:nvSpPr>
+          <p:cNvPr id="3" name="Объект 2"/>
+          <p:cNvSpPr>
+            <a:spLocks noGrp="1"/>
+          </p:cNvSpPr>
+          <p:nvPr>
+            <p:ph idx="1"/>
+          </p:nvPr>
+        </p:nvSpPr>
+        <p:spPr>
+          <a:xfrm>
+            <a:off x="9972600" y="4725144"/>
+            <a:ext cx="7498080" cy="4800600"/>
+          </a:xfrm>
+        </p:spPr>
         <p:txBody>
           <a:bodyPr/>
           <a:lstStyle/>
           <a:p>
-            <a:r>
-              <a:rPr lang="ru-RU" dirty="0" smtClean="0"/>
-              <a:t>Использованные библиотеки</a:t>
-            </a:r>
             <a:endParaRPr lang="ru-RU" dirty="0"/>
-          </a:p>
-        </p:txBody>
-      </p:sp>
-      <p:sp>
-        <p:nvSpPr>
-          <p:cNvPr id="3" name="Объект 2"/>
-          <p:cNvSpPr>
-            <a:spLocks noGrp="1"/>
-          </p:cNvSpPr>
-          <p:nvPr>
-            <p:ph idx="1"/>
-          </p:nvPr>
-        </p:nvSpPr>
-        <p:spPr/>
-        <p:txBody>
-          <a:bodyPr/>
-          <a:lstStyle/>
-          <a:p>
-            <a:endParaRPr lang="ru-RU"/>
           </a:p>
         </p:txBody>
       </p:sp>
       <p:pic>
         <p:nvPicPr>
-          <p:cNvPr id="1026" name="Picture 2"/>
+          <p:cNvPr id="4" name="Picture 2"/>
           <p:cNvPicPr>
             <a:picLocks noChangeAspect="1" noChangeArrowheads="1"/>
           </p:cNvPicPr>
@@ -4427,16 +5454,143 @@
         </p:blipFill>
         <p:spPr bwMode="auto">
           <a:xfrm>
-            <a:off x="1691680" y="2060848"/>
-            <a:ext cx="2880320" cy="3224974"/>
+            <a:off x="1895532" y="1340768"/>
+            <a:ext cx="2788876" cy="1370396"/>
           </a:xfrm>
           <a:prstGeom prst="rect">
             <a:avLst/>
           </a:prstGeom>
           <a:noFill/>
-          <a:ln w="57150">
+          <a:ln w="38100">
             <a:solidFill>
-              <a:schemeClr val="accent2"/>
+              <a:schemeClr val="accent5">
+                <a:lumMod val="60000"/>
+                <a:lumOff val="40000"/>
+              </a:schemeClr>
+            </a:solidFill>
+            <a:miter lim="800000"/>
+            <a:headEnd/>
+            <a:tailEnd/>
+          </a:ln>
+          <a:effectLst/>
+          <a:extLst>
+            <a:ext uri="{909E8E84-426E-40DD-AFC4-6F175D3DCCD1}">
+              <a14:hiddenFill xmlns:a14="http://schemas.microsoft.com/office/drawing/2010/main">
+                <a:solidFill>
+                  <a:schemeClr val="accent1"/>
+                </a:solidFill>
+              </a14:hiddenFill>
+            </a:ext>
+            <a:ext uri="{AF507438-7753-43E0-B8FC-AC1667EBCBE1}">
+              <a14:hiddenEffects xmlns:a14="http://schemas.microsoft.com/office/drawing/2010/main">
+                <a:effectLst>
+                  <a:outerShdw dist="35921" dir="2700000" algn="ctr" rotWithShape="0">
+                    <a:schemeClr val="bg2"/>
+                  </a:outerShdw>
+                </a:effectLst>
+              </a14:hiddenEffects>
+            </a:ext>
+          </a:extLst>
+        </p:spPr>
+      </p:pic>
+      <p:pic>
+        <p:nvPicPr>
+          <p:cNvPr id="1027" name="Picture 3"/>
+          <p:cNvPicPr>
+            <a:picLocks noChangeAspect="1" noChangeArrowheads="1"/>
+          </p:cNvPicPr>
+          <p:nvPr/>
+        </p:nvPicPr>
+        <p:blipFill>
+          <a:blip r:embed="rId3">
+            <a:extLst>
+              <a:ext uri="{28A0092B-C50C-407E-A947-70E740481C1C}">
+                <a14:useLocalDpi xmlns:a14="http://schemas.microsoft.com/office/drawing/2010/main" val="0"/>
+              </a:ext>
+            </a:extLst>
+          </a:blip>
+          <a:srcRect/>
+          <a:stretch>
+            <a:fillRect/>
+          </a:stretch>
+        </p:blipFill>
+        <p:spPr bwMode="auto">
+          <a:xfrm>
+            <a:off x="4644008" y="3095625"/>
+            <a:ext cx="3123976" cy="1392856"/>
+          </a:xfrm>
+          <a:prstGeom prst="rect">
+            <a:avLst/>
+          </a:prstGeom>
+          <a:noFill/>
+          <a:ln w="38100">
+            <a:solidFill>
+              <a:schemeClr val="accent5">
+                <a:lumMod val="60000"/>
+                <a:lumOff val="40000"/>
+              </a:schemeClr>
+            </a:solidFill>
+            <a:miter lim="800000"/>
+            <a:headEnd/>
+            <a:tailEnd/>
+          </a:ln>
+          <a:effectLst/>
+          <a:extLst>
+            <a:ext uri="{909E8E84-426E-40DD-AFC4-6F175D3DCCD1}">
+              <a14:hiddenFill xmlns:a14="http://schemas.microsoft.com/office/drawing/2010/main">
+                <a:solidFill>
+                  <a:schemeClr val="accent1"/>
+                </a:solidFill>
+              </a14:hiddenFill>
+            </a:ext>
+            <a:ext uri="{AF507438-7753-43E0-B8FC-AC1667EBCBE1}">
+              <a14:hiddenEffects xmlns:a14="http://schemas.microsoft.com/office/drawing/2010/main">
+                <a:effectLst>
+                  <a:outerShdw dist="35921" dir="2700000" algn="ctr" rotWithShape="0">
+                    <a:schemeClr val="bg2"/>
+                  </a:outerShdw>
+                </a:effectLst>
+              </a14:hiddenEffects>
+            </a:ext>
+          </a:extLst>
+        </p:spPr>
+      </p:pic>
+      <p:pic>
+        <p:nvPicPr>
+          <p:cNvPr id="1028" name="Picture 4"/>
+          <p:cNvPicPr>
+            <a:picLocks noChangeAspect="1" noChangeArrowheads="1"/>
+          </p:cNvPicPr>
+          <p:nvPr/>
+        </p:nvPicPr>
+        <p:blipFill>
+          <a:blip r:embed="rId4">
+            <a:extLst>
+              <a:ext uri="{28A0092B-C50C-407E-A947-70E740481C1C}">
+                <a14:useLocalDpi xmlns:a14="http://schemas.microsoft.com/office/drawing/2010/main" val="0"/>
+              </a:ext>
+            </a:extLst>
+          </a:blip>
+          <a:srcRect/>
+          <a:stretch>
+            <a:fillRect/>
+          </a:stretch>
+        </p:blipFill>
+        <p:spPr bwMode="auto">
+          <a:xfrm>
+            <a:off x="1403648" y="4869160"/>
+            <a:ext cx="3587258" cy="1131366"/>
+          </a:xfrm>
+          <a:prstGeom prst="rect">
+            <a:avLst/>
+          </a:prstGeom>
+          <a:noFill/>
+          <a:ln w="38100">
+            <a:solidFill>
+              <a:schemeClr val="accent5">
+                <a:lumMod val="60000"/>
+                <a:lumOff val="40000"/>
+              </a:schemeClr>
             </a:solidFill>
             <a:miter lim="800000"/>
             <a:headEnd/>
@@ -4502,6 +5656,142 @@
       </p:grpSpPr>
       <p:sp>
         <p:nvSpPr>
+          <p:cNvPr id="7" name="Прямоугольный треугольник 6"/>
+          <p:cNvSpPr/>
+          <p:nvPr/>
+        </p:nvSpPr>
+        <p:spPr>
+          <a:xfrm rot="10800000">
+            <a:off x="167288" y="-180975"/>
+            <a:ext cx="9521116" cy="7191375"/>
+          </a:xfrm>
+          <a:prstGeom prst="rtTriangle">
+            <a:avLst/>
+          </a:prstGeom>
+          <a:solidFill>
+            <a:srgbClr val="92D050"/>
+          </a:solidFill>
+          <a:ln w="76200">
+            <a:solidFill>
+              <a:schemeClr val="tx1"/>
+            </a:solidFill>
+          </a:ln>
+        </p:spPr>
+        <p:style>
+          <a:lnRef idx="2">
+            <a:schemeClr val="accent1">
+              <a:shade val="50000"/>
+            </a:schemeClr>
+          </a:lnRef>
+          <a:fillRef idx="1">
+            <a:schemeClr val="accent1"/>
+          </a:fillRef>
+          <a:effectRef idx="0">
+            <a:schemeClr val="accent1"/>
+          </a:effectRef>
+          <a:fontRef idx="minor">
+            <a:schemeClr val="lt1"/>
+          </a:fontRef>
+        </p:style>
+        <p:txBody>
+          <a:bodyPr rtlCol="0" anchor="ctr"/>
+          <a:lstStyle/>
+          <a:p>
+            <a:pPr algn="ctr"/>
+            <a:endParaRPr lang="ru-RU"/>
+          </a:p>
+        </p:txBody>
+      </p:sp>
+      <p:sp>
+        <p:nvSpPr>
+          <p:cNvPr id="6" name="Прямоугольный треугольник 5"/>
+          <p:cNvSpPr/>
+          <p:nvPr/>
+        </p:nvSpPr>
+        <p:spPr>
+          <a:xfrm>
+            <a:off x="14888" y="-333375"/>
+            <a:ext cx="9521116" cy="7191375"/>
+          </a:xfrm>
+          <a:prstGeom prst="rtTriangle">
+            <a:avLst/>
+          </a:prstGeom>
+          <a:solidFill>
+            <a:srgbClr val="82148E"/>
+          </a:solidFill>
+        </p:spPr>
+        <p:style>
+          <a:lnRef idx="2">
+            <a:schemeClr val="accent1">
+              <a:shade val="50000"/>
+            </a:schemeClr>
+          </a:lnRef>
+          <a:fillRef idx="1">
+            <a:schemeClr val="accent1"/>
+          </a:fillRef>
+          <a:effectRef idx="0">
+            <a:schemeClr val="accent1"/>
+          </a:effectRef>
+          <a:fontRef idx="minor">
+            <a:schemeClr val="lt1"/>
+          </a:fontRef>
+        </p:style>
+        <p:txBody>
+          <a:bodyPr rtlCol="0" anchor="ctr"/>
+          <a:lstStyle/>
+          <a:p>
+            <a:pPr algn="ctr"/>
+            <a:endParaRPr lang="ru-RU"/>
+          </a:p>
+        </p:txBody>
+      </p:sp>
+      <p:sp>
+        <p:nvSpPr>
+          <p:cNvPr id="4" name="Прямоугольник 3"/>
+          <p:cNvSpPr/>
+          <p:nvPr/>
+        </p:nvSpPr>
+        <p:spPr>
+          <a:xfrm>
+            <a:off x="-191060" y="620688"/>
+            <a:ext cx="10260632" cy="1152128"/>
+          </a:xfrm>
+          <a:prstGeom prst="rect">
+            <a:avLst/>
+          </a:prstGeom>
+          <a:ln>
+            <a:solidFill>
+              <a:schemeClr val="tx1"/>
+            </a:solidFill>
+          </a:ln>
+        </p:spPr>
+        <p:style>
+          <a:lnRef idx="2">
+            <a:schemeClr val="accent1">
+              <a:shade val="50000"/>
+            </a:schemeClr>
+          </a:lnRef>
+          <a:fillRef idx="1">
+            <a:schemeClr val="accent1"/>
+          </a:fillRef>
+          <a:effectRef idx="0">
+            <a:schemeClr val="accent1"/>
+          </a:effectRef>
+          <a:fontRef idx="minor">
+            <a:schemeClr val="lt1"/>
+          </a:fontRef>
+        </p:style>
+        <p:txBody>
+          <a:bodyPr rtlCol="0" anchor="ctr"/>
+          <a:lstStyle/>
+          <a:p>
+            <a:pPr algn="ctr"/>
+            <a:endParaRPr lang="ru-RU"/>
+          </a:p>
+        </p:txBody>
+      </p:sp>
+      <p:sp>
+        <p:nvSpPr>
           <p:cNvPr id="2" name="Заголовок 1"/>
           <p:cNvSpPr>
             <a:spLocks noGrp="1"/>
@@ -4510,16 +5800,57 @@
             <p:ph type="title"/>
           </p:nvPr>
         </p:nvSpPr>
-        <p:spPr/>
+        <p:spPr>
+          <a:xfrm>
+            <a:off x="1494019" y="620688"/>
+            <a:ext cx="7498080" cy="1143000"/>
+          </a:xfrm>
+        </p:spPr>
         <p:txBody>
           <a:bodyPr/>
           <a:lstStyle/>
           <a:p>
             <a:r>
+              <a:rPr lang="ru-RU" b="1" dirty="0" smtClean="0">
+                <a:solidFill>
+                  <a:schemeClr val="tx1"/>
+                </a:solidFill>
+              </a:rPr>
+              <a:t>И</a:t>
+            </a:r>
+            <a:r>
+              <a:rPr lang="ru-RU" dirty="0" smtClean="0">
+                <a:solidFill>
+                  <a:schemeClr val="tx1"/>
+                </a:solidFill>
+              </a:rPr>
+              <a:t>спользование</a:t>
+            </a:r>
+            <a:r>
               <a:rPr lang="ru-RU" dirty="0" smtClean="0"/>
-              <a:t>Использование БД</a:t>
-            </a:r>
-            <a:endParaRPr lang="ru-RU" dirty="0"/>
+              <a:t> </a:t>
+            </a:r>
+            <a:r>
+              <a:rPr lang="ru-RU" b="1" dirty="0" smtClean="0">
+                <a:solidFill>
+                  <a:schemeClr val="tx1"/>
+                </a:solidFill>
+              </a:rPr>
+              <a:t>Б</a:t>
+            </a:r>
+            <a:r>
+              <a:rPr lang="ru-RU" dirty="0" smtClean="0">
+                <a:solidFill>
+                  <a:schemeClr val="tx1"/>
+                </a:solidFill>
+              </a:rPr>
+              <a:t>Д</a:t>
+            </a:r>
+            <a:endParaRPr lang="ru-RU" dirty="0">
+              <a:solidFill>
+                <a:schemeClr val="tx1"/>
+              </a:solidFill>
+            </a:endParaRPr>
           </a:p>
         </p:txBody>
       </p:sp>
@@ -4544,7 +5875,7 @@
       </p:sp>
       <p:pic>
         <p:nvPicPr>
-          <p:cNvPr id="2050" name="Picture 2"/>
+          <p:cNvPr id="2051" name="Picture 3"/>
           <p:cNvPicPr>
             <a:picLocks noChangeAspect="1" noChangeArrowheads="1"/>
           </p:cNvPicPr>
@@ -4565,8 +5896,8 @@
         </p:blipFill>
         <p:spPr bwMode="auto">
           <a:xfrm>
-            <a:off x="1259632" y="4437112"/>
-            <a:ext cx="7632848" cy="400050"/>
+            <a:off x="4775446" y="2486224"/>
+            <a:ext cx="4052843" cy="1840210"/>
           </a:xfrm>
           <a:prstGeom prst="rect">
             <a:avLst/>
@@ -4603,7 +5934,7 @@
       </p:pic>
       <p:pic>
         <p:nvPicPr>
-          <p:cNvPr id="2051" name="Picture 3"/>
+          <p:cNvPr id="3074" name="Picture 2"/>
           <p:cNvPicPr>
             <a:picLocks noChangeAspect="1" noChangeArrowheads="1"/>
           </p:cNvPicPr>
@@ -4624,20 +5955,15 @@
         </p:blipFill>
         <p:spPr bwMode="auto">
           <a:xfrm>
-            <a:off x="1448750" y="1988840"/>
-            <a:ext cx="4052843" cy="1840210"/>
+            <a:off x="317592" y="5157192"/>
+            <a:ext cx="9167128" cy="1023577"/>
           </a:xfrm>
           <a:prstGeom prst="rect">
             <a:avLst/>
           </a:prstGeom>
           <a:noFill/>
-          <a:ln w="9525">
-            <a:solidFill>
-              <a:schemeClr val="tx1"/>
-            </a:solidFill>
-            <a:miter lim="800000"/>
-            <a:headEnd/>
-            <a:tailEnd/>
+          <a:ln>
+            <a:noFill/>
           </a:ln>
           <a:effectLst/>
           <a:extLst>
@@ -4647,6 +5973,16 @@
                   <a:schemeClr val="accent1"/>
                 </a:solidFill>
               </a14:hiddenFill>
+            </a:ext>
+            <a:ext uri="{91240B29-F687-4F45-9708-019B960494DF}">
+              <a14:hiddenLine xmlns:a14="http://schemas.microsoft.com/office/drawing/2010/main" w="9525">
+                <a:solidFill>
+                  <a:schemeClr val="tx1"/>
+                </a:solidFill>
+                <a:miter lim="800000"/>
+                <a:headEnd/>
+                <a:tailEnd/>
+              </a14:hiddenLine>
             </a:ext>
             <a:ext uri="{AF507438-7753-43E0-B8FC-AC1667EBCBE1}">
               <a14:hiddenEffects xmlns:a14="http://schemas.microsoft.com/office/drawing/2010/main">
@@ -4699,6 +6035,142 @@
       </p:grpSpPr>
       <p:sp>
         <p:nvSpPr>
+          <p:cNvPr id="5" name="Прямоугольный треугольник 4"/>
+          <p:cNvSpPr/>
+          <p:nvPr/>
+        </p:nvSpPr>
+        <p:spPr>
+          <a:xfrm rot="10800000">
+            <a:off x="167288" y="-180975"/>
+            <a:ext cx="9521116" cy="7191375"/>
+          </a:xfrm>
+          <a:prstGeom prst="rtTriangle">
+            <a:avLst/>
+          </a:prstGeom>
+          <a:solidFill>
+            <a:srgbClr val="92D050"/>
+          </a:solidFill>
+          <a:ln w="76200">
+            <a:solidFill>
+              <a:schemeClr val="tx1"/>
+            </a:solidFill>
+          </a:ln>
+        </p:spPr>
+        <p:style>
+          <a:lnRef idx="2">
+            <a:schemeClr val="accent1">
+              <a:shade val="50000"/>
+            </a:schemeClr>
+          </a:lnRef>
+          <a:fillRef idx="1">
+            <a:schemeClr val="accent1"/>
+          </a:fillRef>
+          <a:effectRef idx="0">
+            <a:schemeClr val="accent1"/>
+          </a:effectRef>
+          <a:fontRef idx="minor">
+            <a:schemeClr val="lt1"/>
+          </a:fontRef>
+        </p:style>
+        <p:txBody>
+          <a:bodyPr rtlCol="0" anchor="ctr"/>
+          <a:lstStyle/>
+          <a:p>
+            <a:pPr algn="ctr"/>
+            <a:endParaRPr lang="ru-RU"/>
+          </a:p>
+        </p:txBody>
+      </p:sp>
+      <p:sp>
+        <p:nvSpPr>
+          <p:cNvPr id="4" name="Прямоугольный треугольник 3"/>
+          <p:cNvSpPr/>
+          <p:nvPr/>
+        </p:nvSpPr>
+        <p:spPr>
+          <a:xfrm>
+            <a:off x="14888" y="-333375"/>
+            <a:ext cx="9521116" cy="7191375"/>
+          </a:xfrm>
+          <a:prstGeom prst="rtTriangle">
+            <a:avLst/>
+          </a:prstGeom>
+          <a:solidFill>
+            <a:srgbClr val="82148E"/>
+          </a:solidFill>
+        </p:spPr>
+        <p:style>
+          <a:lnRef idx="2">
+            <a:schemeClr val="accent1">
+              <a:shade val="50000"/>
+            </a:schemeClr>
+          </a:lnRef>
+          <a:fillRef idx="1">
+            <a:schemeClr val="accent1"/>
+          </a:fillRef>
+          <a:effectRef idx="0">
+            <a:schemeClr val="accent1"/>
+          </a:effectRef>
+          <a:fontRef idx="minor">
+            <a:schemeClr val="lt1"/>
+          </a:fontRef>
+        </p:style>
+        <p:txBody>
+          <a:bodyPr rtlCol="0" anchor="ctr"/>
+          <a:lstStyle/>
+          <a:p>
+            <a:pPr algn="ctr"/>
+            <a:endParaRPr lang="ru-RU"/>
+          </a:p>
+        </p:txBody>
+      </p:sp>
+      <p:sp>
+        <p:nvSpPr>
+          <p:cNvPr id="7" name="Прямоугольник 6"/>
+          <p:cNvSpPr/>
+          <p:nvPr/>
+        </p:nvSpPr>
+        <p:spPr>
+          <a:xfrm>
+            <a:off x="-220800" y="476672"/>
+            <a:ext cx="3670418" cy="1052736"/>
+          </a:xfrm>
+          <a:prstGeom prst="rect">
+            <a:avLst/>
+          </a:prstGeom>
+          <a:ln>
+            <a:solidFill>
+              <a:schemeClr val="tx1"/>
+            </a:solidFill>
+          </a:ln>
+        </p:spPr>
+        <p:style>
+          <a:lnRef idx="2">
+            <a:schemeClr val="accent1">
+              <a:shade val="50000"/>
+            </a:schemeClr>
+          </a:lnRef>
+          <a:fillRef idx="1">
+            <a:schemeClr val="accent1"/>
+          </a:fillRef>
+          <a:effectRef idx="0">
+            <a:schemeClr val="accent1"/>
+          </a:effectRef>
+          <a:fontRef idx="minor">
+            <a:schemeClr val="lt1"/>
+          </a:fontRef>
+        </p:style>
+        <p:txBody>
+          <a:bodyPr rtlCol="0" anchor="ctr"/>
+          <a:lstStyle/>
+          <a:p>
+            <a:pPr algn="ctr"/>
+            <a:endParaRPr lang="ru-RU"/>
+          </a:p>
+        </p:txBody>
+      </p:sp>
+      <p:sp>
+        <p:nvSpPr>
           <p:cNvPr id="2" name="Заголовок 1"/>
           <p:cNvSpPr>
             <a:spLocks noGrp="1"/>
@@ -4707,16 +6179,82 @@
             <p:ph type="title"/>
           </p:nvPr>
         </p:nvSpPr>
-        <p:spPr/>
+        <p:spPr>
+          <a:xfrm>
+            <a:off x="395536" y="386408"/>
+            <a:ext cx="3054082" cy="1143000"/>
+          </a:xfrm>
+        </p:spPr>
         <p:txBody>
           <a:bodyPr/>
           <a:lstStyle/>
           <a:p>
             <a:r>
-              <a:rPr lang="ru-RU" dirty="0" smtClean="0"/>
-              <a:t>Почему я?</a:t>
-            </a:r>
-            <a:endParaRPr lang="ru-RU" dirty="0"/>
+              <a:rPr lang="ru-RU" b="1" dirty="0" smtClean="0">
+                <a:solidFill>
+                  <a:schemeClr val="tx1"/>
+                </a:solidFill>
+              </a:rPr>
+              <a:t>П</a:t>
+            </a:r>
+            <a:r>
+              <a:rPr lang="ru-RU" dirty="0" smtClean="0">
+                <a:solidFill>
+                  <a:schemeClr val="tx1"/>
+                </a:solidFill>
+              </a:rPr>
+              <a:t>очему я?</a:t>
+            </a:r>
+            <a:endParaRPr lang="ru-RU" dirty="0">
+              <a:solidFill>
+                <a:schemeClr val="tx1"/>
+              </a:solidFill>
+            </a:endParaRPr>
+          </a:p>
+        </p:txBody>
+      </p:sp>
+      <p:sp>
+        <p:nvSpPr>
+          <p:cNvPr id="6" name="Прямоугольник 5"/>
+          <p:cNvSpPr/>
+          <p:nvPr/>
+        </p:nvSpPr>
+        <p:spPr>
+          <a:xfrm>
+            <a:off x="1259632" y="1916832"/>
+            <a:ext cx="8712968" cy="2385071"/>
+          </a:xfrm>
+          <a:prstGeom prst="rect">
+            <a:avLst/>
+          </a:prstGeom>
+          <a:ln>
+            <a:solidFill>
+              <a:schemeClr val="tx1"/>
+            </a:solidFill>
+          </a:ln>
+        </p:spPr>
+        <p:style>
+          <a:lnRef idx="2">
+            <a:schemeClr val="accent1">
+              <a:shade val="50000"/>
+            </a:schemeClr>
+          </a:lnRef>
+          <a:fillRef idx="1">
+            <a:schemeClr val="accent1"/>
+          </a:fillRef>
+          <a:effectRef idx="0">
+            <a:schemeClr val="accent1"/>
+          </a:effectRef>
+          <a:fontRef idx="minor">
+            <a:schemeClr val="lt1"/>
+          </a:fontRef>
+        </p:style>
+        <p:txBody>
+          <a:bodyPr rtlCol="0" anchor="ctr"/>
+          <a:lstStyle/>
+          <a:p>
+            <a:pPr algn="ctr"/>
+            <a:endParaRPr lang="ru-RU"/>
           </a:p>
         </p:txBody>
       </p:sp>
@@ -4730,7 +6268,12 @@
             <p:ph idx="1"/>
           </p:nvPr>
         </p:nvSpPr>
-        <p:spPr/>
+        <p:spPr>
+          <a:xfrm>
+            <a:off x="1259632" y="2050183"/>
+            <a:ext cx="7704856" cy="2251720"/>
+          </a:xfrm>
+        </p:spPr>
         <p:txBody>
           <a:bodyPr/>
           <a:lstStyle/>
@@ -4739,8 +6282,100 @@
               <a:buNone/>
             </a:pPr>
             <a:r>
+              <a:rPr lang="ru-RU" b="1" dirty="0" smtClean="0"/>
+              <a:t>С</a:t>
+            </a:r>
+            <a:r>
               <a:rPr lang="ru-RU" dirty="0" smtClean="0"/>
-              <a:t>Существует множество игр подобного жанра, но все ли имеют прописанный сюжет? Нет.</a:t>
+              <a:t>уществует </a:t>
+            </a:r>
+            <a:r>
+              <a:rPr lang="ru-RU" b="1" dirty="0" smtClean="0"/>
+              <a:t>м</a:t>
+            </a:r>
+            <a:r>
+              <a:rPr lang="ru-RU" dirty="0" smtClean="0"/>
+              <a:t>ножество </a:t>
+            </a:r>
+            <a:r>
+              <a:rPr lang="ru-RU" b="1" dirty="0" smtClean="0"/>
+              <a:t>и</a:t>
+            </a:r>
+            <a:r>
+              <a:rPr lang="ru-RU" dirty="0" smtClean="0"/>
+              <a:t>гр </a:t>
+            </a:r>
+            <a:r>
+              <a:rPr lang="ru-RU" b="1" dirty="0" smtClean="0"/>
+              <a:t>п</a:t>
+            </a:r>
+            <a:r>
+              <a:rPr lang="ru-RU" dirty="0" smtClean="0"/>
+              <a:t>одобного </a:t>
+            </a:r>
+            <a:r>
+              <a:rPr lang="ru-RU" b="1" dirty="0" smtClean="0"/>
+              <a:t>ж</a:t>
+            </a:r>
+            <a:r>
+              <a:rPr lang="ru-RU" dirty="0" smtClean="0"/>
+              <a:t>анра, </a:t>
+            </a:r>
+            <a:r>
+              <a:rPr lang="ru-RU" b="1" dirty="0" smtClean="0"/>
+              <a:t>н</a:t>
+            </a:r>
+            <a:r>
+              <a:rPr lang="ru-RU" dirty="0" smtClean="0"/>
+              <a:t>о </a:t>
+            </a:r>
+            <a:r>
+              <a:rPr lang="ru-RU" b="1" dirty="0" smtClean="0"/>
+              <a:t>в</a:t>
+            </a:r>
+            <a:r>
+              <a:rPr lang="ru-RU" dirty="0" smtClean="0"/>
+              <a:t>се </a:t>
+            </a:r>
+            <a:r>
+              <a:rPr lang="ru-RU" b="1" dirty="0" smtClean="0"/>
+              <a:t>л</a:t>
+            </a:r>
+            <a:r>
+              <a:rPr lang="ru-RU" dirty="0" smtClean="0"/>
+              <a:t>и </a:t>
+            </a:r>
+            <a:r>
+              <a:rPr lang="ru-RU" b="1" dirty="0" smtClean="0"/>
+              <a:t>и</a:t>
+            </a:r>
+            <a:r>
+              <a:rPr lang="ru-RU" dirty="0" smtClean="0"/>
+              <a:t>меют </a:t>
+            </a:r>
+            <a:r>
+              <a:rPr lang="ru-RU" b="1" dirty="0" smtClean="0"/>
+              <a:t>п</a:t>
+            </a:r>
+            <a:r>
+              <a:rPr lang="ru-RU" dirty="0" smtClean="0"/>
+              <a:t>рописанный </a:t>
+            </a:r>
+            <a:r>
+              <a:rPr lang="ru-RU" b="1" dirty="0" smtClean="0"/>
+              <a:t>с</a:t>
+            </a:r>
+            <a:r>
+              <a:rPr lang="ru-RU" dirty="0" smtClean="0"/>
+              <a:t>южет? </a:t>
+            </a:r>
+            <a:r>
+              <a:rPr lang="ru-RU" b="1" dirty="0" smtClean="0"/>
+              <a:t>Н</a:t>
+            </a:r>
+            <a:r>
+              <a:rPr lang="ru-RU" dirty="0" smtClean="0"/>
+              <a:t>ет.</a:t>
             </a:r>
             <a:endParaRPr lang="ru-RU" dirty="0"/>
           </a:p>

--- a/Pygame проект/Data/IMperfect World.pptx
+++ b/Pygame проект/Data/IMperfect World.pptx
@@ -245,7 +245,7 @@
           <a:p>
             <a:fld id="{BCAC18F8-9188-4621-8F4A-24A1AD1CA56F}" type="datetimeFigureOut">
               <a:rPr lang="ru-RU" smtClean="0"/>
-              <a:t>09.03.2025</a:t>
+              <a:t>10.03.2025</a:t>
             </a:fld>
             <a:endParaRPr lang="ru-RU"/>
           </a:p>
@@ -558,7 +558,7 @@
           <a:p>
             <a:fld id="{BCAC18F8-9188-4621-8F4A-24A1AD1CA56F}" type="datetimeFigureOut">
               <a:rPr lang="ru-RU" smtClean="0"/>
-              <a:t>09.03.2025</a:t>
+              <a:t>10.03.2025</a:t>
             </a:fld>
             <a:endParaRPr lang="ru-RU"/>
           </a:p>
@@ -743,7 +743,7 @@
           <a:p>
             <a:fld id="{BCAC18F8-9188-4621-8F4A-24A1AD1CA56F}" type="datetimeFigureOut">
               <a:rPr lang="ru-RU" smtClean="0"/>
-              <a:t>09.03.2025</a:t>
+              <a:t>10.03.2025</a:t>
             </a:fld>
             <a:endParaRPr lang="ru-RU"/>
           </a:p>
@@ -918,7 +918,7 @@
           <a:p>
             <a:fld id="{BCAC18F8-9188-4621-8F4A-24A1AD1CA56F}" type="datetimeFigureOut">
               <a:rPr lang="ru-RU" smtClean="0"/>
-              <a:t>09.03.2025</a:t>
+              <a:t>10.03.2025</a:t>
             </a:fld>
             <a:endParaRPr lang="ru-RU"/>
           </a:p>
@@ -1186,7 +1186,7 @@
           <a:p>
             <a:fld id="{BCAC18F8-9188-4621-8F4A-24A1AD1CA56F}" type="datetimeFigureOut">
               <a:rPr lang="ru-RU" smtClean="0"/>
-              <a:t>09.03.2025</a:t>
+              <a:t>10.03.2025</a:t>
             </a:fld>
             <a:endParaRPr lang="ru-RU"/>
           </a:p>
@@ -1654,7 +1654,7 @@
           <a:p>
             <a:fld id="{BCAC18F8-9188-4621-8F4A-24A1AD1CA56F}" type="datetimeFigureOut">
               <a:rPr lang="ru-RU" smtClean="0"/>
-              <a:t>09.03.2025</a:t>
+              <a:t>10.03.2025</a:t>
             </a:fld>
             <a:endParaRPr lang="ru-RU"/>
           </a:p>
@@ -2143,7 +2143,7 @@
           <a:p>
             <a:fld id="{BCAC18F8-9188-4621-8F4A-24A1AD1CA56F}" type="datetimeFigureOut">
               <a:rPr lang="ru-RU" smtClean="0"/>
-              <a:t>09.03.2025</a:t>
+              <a:t>10.03.2025</a:t>
             </a:fld>
             <a:endParaRPr lang="ru-RU"/>
           </a:p>
@@ -2269,7 +2269,7 @@
           <a:p>
             <a:fld id="{BCAC18F8-9188-4621-8F4A-24A1AD1CA56F}" type="datetimeFigureOut">
               <a:rPr lang="ru-RU" smtClean="0"/>
-              <a:t>09.03.2025</a:t>
+              <a:t>10.03.2025</a:t>
             </a:fld>
             <a:endParaRPr lang="ru-RU"/>
           </a:p>
@@ -2413,7 +2413,7 @@
           <a:p>
             <a:fld id="{BCAC18F8-9188-4621-8F4A-24A1AD1CA56F}" type="datetimeFigureOut">
               <a:rPr lang="ru-RU" smtClean="0"/>
-              <a:t>09.03.2025</a:t>
+              <a:t>10.03.2025</a:t>
             </a:fld>
             <a:endParaRPr lang="ru-RU"/>
           </a:p>
@@ -2735,7 +2735,7 @@
           <a:p>
             <a:fld id="{BCAC18F8-9188-4621-8F4A-24A1AD1CA56F}" type="datetimeFigureOut">
               <a:rPr lang="ru-RU" smtClean="0"/>
-              <a:t>09.03.2025</a:t>
+              <a:t>10.03.2025</a:t>
             </a:fld>
             <a:endParaRPr lang="ru-RU"/>
           </a:p>
@@ -2869,7 +2869,7 @@
           <a:p>
             <a:fld id="{BCAC18F8-9188-4621-8F4A-24A1AD1CA56F}" type="datetimeFigureOut">
               <a:rPr lang="ru-RU" smtClean="0"/>
-              <a:t>09.03.2025</a:t>
+              <a:t>10.03.2025</a:t>
             </a:fld>
             <a:endParaRPr lang="ru-RU"/>
           </a:p>
@@ -3650,7 +3650,7 @@
           <a:p>
             <a:fld id="{BCAC18F8-9188-4621-8F4A-24A1AD1CA56F}" type="datetimeFigureOut">
               <a:rPr lang="ru-RU" smtClean="0"/>
-              <a:t>09.03.2025</a:t>
+              <a:t>10.03.2025</a:t>
             </a:fld>
             <a:endParaRPr lang="ru-RU"/>
           </a:p>
@@ -4339,7 +4339,7 @@
         </p:nvSpPr>
         <p:spPr>
           <a:xfrm>
-            <a:off x="1368172" y="1196752"/>
+            <a:off x="889246" y="1196752"/>
             <a:ext cx="7772400" cy="1470025"/>
           </a:xfrm>
         </p:spPr>
@@ -4354,6 +4354,7 @@
                 <a:solidFill>
                   <a:schemeClr val="tx1"/>
                 </a:solidFill>
+                <a:latin typeface="Bahnschrift Light" pitchFamily="34" charset="0"/>
               </a:rPr>
               <a:t>IMperfect</a:t>
             </a:r>
@@ -4362,6 +4363,7 @@
                 <a:solidFill>
                   <a:schemeClr val="tx1"/>
                 </a:solidFill>
+                <a:latin typeface="Bahnschrift Light" pitchFamily="34" charset="0"/>
               </a:rPr>
               <a:t> World</a:t>
             </a:r>
@@ -4369,6 +4371,7 @@
               <a:solidFill>
                 <a:schemeClr val="tx1"/>
               </a:solidFill>
+              <a:latin typeface="Bahnschrift Light" pitchFamily="34" charset="0"/>
             </a:endParaRPr>
           </a:p>
         </p:txBody>
@@ -4450,6 +4453,7 @@
                 <a:solidFill>
                   <a:schemeClr val="tx1"/>
                 </a:solidFill>
+                <a:latin typeface="Bahnschrift Light Condensed" pitchFamily="34" charset="0"/>
               </a:rPr>
               <a:t>Проект по теме </a:t>
             </a:r>
@@ -4458,6 +4462,7 @@
                 <a:solidFill>
                   <a:schemeClr val="tx1"/>
                 </a:solidFill>
+                <a:latin typeface="Bahnschrift Light Condensed" pitchFamily="34" charset="0"/>
               </a:rPr>
               <a:t>Pygame</a:t>
             </a:r>
@@ -4466,6 +4471,7 @@
                 <a:solidFill>
                   <a:schemeClr val="tx1"/>
                 </a:solidFill>
+                <a:latin typeface="Bahnschrift Light Condensed" pitchFamily="34" charset="0"/>
               </a:rPr>
               <a:t> Королева Кирилла Романовича</a:t>
             </a:r>
@@ -4473,6 +4479,7 @@
               <a:solidFill>
                 <a:schemeClr val="tx1"/>
               </a:solidFill>
+              <a:latin typeface="Bahnschrift Light Condensed" pitchFamily="34" charset="0"/>
             </a:endParaRPr>
           </a:p>
         </p:txBody>
@@ -4570,8 +4577,8 @@
         </p:nvSpPr>
         <p:spPr>
           <a:xfrm>
-            <a:off x="14888" y="-333375"/>
-            <a:ext cx="9521116" cy="7191375"/>
+            <a:off x="-269136" y="-531440"/>
+            <a:ext cx="9809687" cy="7389439"/>
           </a:xfrm>
           <a:prstGeom prst="rtTriangle">
             <a:avLst/>
@@ -4722,6 +4729,7 @@
                 <a:solidFill>
                   <a:schemeClr val="tx1"/>
                 </a:solidFill>
+                <a:latin typeface="Bahnschrift Light" pitchFamily="34" charset="0"/>
               </a:rPr>
               <a:t>О</a:t>
             </a:r>
@@ -4730,6 +4738,7 @@
                 <a:solidFill>
                   <a:schemeClr val="tx1"/>
                 </a:solidFill>
+                <a:latin typeface="Bahnschrift Light" pitchFamily="34" charset="0"/>
               </a:rPr>
               <a:t>писание</a:t>
             </a:r>
@@ -4737,6 +4746,7 @@
               <a:solidFill>
                 <a:schemeClr val="tx1"/>
               </a:solidFill>
+              <a:latin typeface="Bahnschrift Light" pitchFamily="34" charset="0"/>
             </a:endParaRPr>
           </a:p>
         </p:txBody>
@@ -4767,242 +4777,362 @@
               <a:buNone/>
             </a:pPr>
             <a:r>
-              <a:rPr lang="en-US" dirty="0" smtClean="0"/>
+              <a:rPr lang="en-US" dirty="0" smtClean="0">
+                <a:latin typeface="Bahnschrift Light Condensed" pitchFamily="34" charset="0"/>
+              </a:rPr>
               <a:t>“</a:t>
             </a:r>
             <a:r>
-              <a:rPr lang="en-US" b="1" dirty="0" smtClean="0"/>
+              <a:rPr lang="en-US" b="1" dirty="0" smtClean="0">
+                <a:latin typeface="Bahnschrift Light Condensed" pitchFamily="34" charset="0"/>
+              </a:rPr>
               <a:t>I</a:t>
             </a:r>
             <a:r>
-              <a:rPr lang="en-US" dirty="0" smtClean="0"/>
+              <a:rPr lang="en-US" dirty="0" smtClean="0">
+                <a:latin typeface="Bahnschrift Light Condensed" pitchFamily="34" charset="0"/>
+              </a:rPr>
               <a:t>mperfect </a:t>
             </a:r>
             <a:r>
-              <a:rPr lang="en-US" b="1" dirty="0" smtClean="0"/>
+              <a:rPr lang="en-US" b="1" dirty="0" smtClean="0">
+                <a:latin typeface="Bahnschrift Light Condensed" pitchFamily="34" charset="0"/>
+              </a:rPr>
               <a:t>W</a:t>
             </a:r>
             <a:r>
-              <a:rPr lang="en-US" dirty="0" smtClean="0"/>
+              <a:rPr lang="en-US" dirty="0" smtClean="0">
+                <a:latin typeface="Bahnschrift Light Condensed" pitchFamily="34" charset="0"/>
+              </a:rPr>
               <a:t>orld: </a:t>
             </a:r>
             <a:r>
-              <a:rPr lang="en-US" b="1" dirty="0" smtClean="0"/>
+              <a:rPr lang="en-US" b="1" dirty="0" smtClean="0">
+                <a:latin typeface="Bahnschrift Light Condensed" pitchFamily="34" charset="0"/>
+              </a:rPr>
               <a:t>A</a:t>
             </a:r>
             <a:r>
-              <a:rPr lang="en-US" dirty="0" smtClean="0"/>
+              <a:rPr lang="en-US" dirty="0" smtClean="0">
+                <a:latin typeface="Bahnschrift Light Condensed" pitchFamily="34" charset="0"/>
+              </a:rPr>
               <a:t>t </a:t>
             </a:r>
             <a:r>
-              <a:rPr lang="en-US" b="1" dirty="0" smtClean="0"/>
+              <a:rPr lang="en-US" b="1" dirty="0" smtClean="0">
+                <a:latin typeface="Bahnschrift Light Condensed" pitchFamily="34" charset="0"/>
+              </a:rPr>
               <a:t>T</a:t>
             </a:r>
             <a:r>
-              <a:rPr lang="en-US" dirty="0" smtClean="0"/>
+              <a:rPr lang="en-US" dirty="0" smtClean="0">
+                <a:latin typeface="Bahnschrift Light Condensed" pitchFamily="34" charset="0"/>
+              </a:rPr>
               <a:t>he </a:t>
             </a:r>
             <a:r>
-              <a:rPr lang="en-US" b="1" dirty="0" smtClean="0"/>
+              <a:rPr lang="en-US" b="1" dirty="0" smtClean="0">
+                <a:latin typeface="Bahnschrift Light Condensed" pitchFamily="34" charset="0"/>
+              </a:rPr>
               <a:t>B</a:t>
             </a:r>
             <a:r>
-              <a:rPr lang="en-US" dirty="0" smtClean="0"/>
+              <a:rPr lang="en-US" dirty="0" smtClean="0">
+                <a:latin typeface="Bahnschrift Light Condensed" pitchFamily="34" charset="0"/>
+              </a:rPr>
               <a:t>ottom” </a:t>
             </a:r>
             <a:r>
-              <a:rPr lang="ru-RU" b="1" dirty="0" smtClean="0"/>
+              <a:rPr lang="ru-RU" b="1" dirty="0" smtClean="0">
+                <a:latin typeface="Bahnschrift Light Condensed" pitchFamily="34" charset="0"/>
+              </a:rPr>
               <a:t>я</a:t>
             </a:r>
             <a:r>
-              <a:rPr lang="ru-RU" dirty="0" smtClean="0"/>
+              <a:rPr lang="ru-RU" dirty="0" smtClean="0">
+                <a:latin typeface="Bahnschrift Light Condensed" pitchFamily="34" charset="0"/>
+              </a:rPr>
               <a:t>вляется </a:t>
             </a:r>
             <a:r>
-              <a:rPr lang="ru-RU" b="1" dirty="0" smtClean="0"/>
+              <a:rPr lang="ru-RU" b="1" dirty="0" smtClean="0">
+                <a:latin typeface="Bahnschrift Light Condensed" pitchFamily="34" charset="0"/>
+              </a:rPr>
               <a:t>с</a:t>
             </a:r>
             <a:r>
-              <a:rPr lang="ru-RU" dirty="0" smtClean="0"/>
+              <a:rPr lang="ru-RU" dirty="0" smtClean="0">
+                <a:latin typeface="Bahnschrift Light Condensed" pitchFamily="34" charset="0"/>
+              </a:rPr>
               <a:t>южетной </a:t>
             </a:r>
             <a:r>
-              <a:rPr lang="en-US" b="1" dirty="0" smtClean="0"/>
+              <a:rPr lang="en-US" b="1" dirty="0" smtClean="0">
+                <a:latin typeface="Bahnschrift Light Condensed" pitchFamily="34" charset="0"/>
+              </a:rPr>
               <a:t>t</a:t>
             </a:r>
             <a:r>
-              <a:rPr lang="en-US" dirty="0" smtClean="0"/>
+              <a:rPr lang="en-US" dirty="0" smtClean="0">
+                <a:latin typeface="Bahnschrift Light Condensed" pitchFamily="34" charset="0"/>
+              </a:rPr>
               <a:t>op-</a:t>
             </a:r>
             <a:r>
-              <a:rPr lang="en-US" b="1" dirty="0" smtClean="0"/>
+              <a:rPr lang="en-US" b="1" dirty="0" smtClean="0">
+                <a:latin typeface="Bahnschrift Light Condensed" pitchFamily="34" charset="0"/>
+              </a:rPr>
               <a:t>d</a:t>
             </a:r>
             <a:r>
-              <a:rPr lang="en-US" dirty="0" smtClean="0"/>
+              <a:rPr lang="en-US" dirty="0" smtClean="0">
+                <a:latin typeface="Bahnschrift Light Condensed" pitchFamily="34" charset="0"/>
+              </a:rPr>
               <a:t>own </a:t>
             </a:r>
             <a:r>
-              <a:rPr lang="en-US" b="1" dirty="0" smtClean="0"/>
+              <a:rPr lang="en-US" b="1" dirty="0" smtClean="0">
+                <a:latin typeface="Bahnschrift Light Condensed" pitchFamily="34" charset="0"/>
+              </a:rPr>
               <a:t>s</a:t>
             </a:r>
             <a:r>
-              <a:rPr lang="en-US" dirty="0" smtClean="0"/>
+              <a:rPr lang="en-US" dirty="0" smtClean="0">
+                <a:latin typeface="Bahnschrift Light Condensed" pitchFamily="34" charset="0"/>
+              </a:rPr>
               <a:t>hooter </a:t>
             </a:r>
             <a:r>
-              <a:rPr lang="ru-RU" b="1" dirty="0" smtClean="0"/>
+              <a:rPr lang="ru-RU" b="1" dirty="0" smtClean="0">
+                <a:latin typeface="Bahnschrift Light Condensed" pitchFamily="34" charset="0"/>
+              </a:rPr>
               <a:t>и</a:t>
             </a:r>
             <a:r>
-              <a:rPr lang="ru-RU" dirty="0" smtClean="0"/>
+              <a:rPr lang="ru-RU" dirty="0" smtClean="0">
+                <a:latin typeface="Bahnschrift Light Condensed" pitchFamily="34" charset="0"/>
+              </a:rPr>
               <a:t>грой. </a:t>
             </a:r>
             <a:r>
-              <a:rPr lang="ru-RU" b="1" dirty="0" smtClean="0"/>
+              <a:rPr lang="ru-RU" b="1" dirty="0" smtClean="0">
+                <a:latin typeface="Bahnschrift Light Condensed" pitchFamily="34" charset="0"/>
+              </a:rPr>
               <a:t>П</a:t>
             </a:r>
             <a:r>
-              <a:rPr lang="ru-RU" dirty="0" smtClean="0"/>
+              <a:rPr lang="ru-RU" dirty="0" smtClean="0">
+                <a:latin typeface="Bahnschrift Light Condensed" pitchFamily="34" charset="0"/>
+              </a:rPr>
               <a:t>олный </a:t>
             </a:r>
             <a:r>
-              <a:rPr lang="ru-RU" b="1" dirty="0" smtClean="0"/>
+              <a:rPr lang="ru-RU" b="1" dirty="0" smtClean="0">
+                <a:latin typeface="Bahnschrift Light Condensed" pitchFamily="34" charset="0"/>
+              </a:rPr>
               <a:t>с</a:t>
             </a:r>
             <a:r>
-              <a:rPr lang="ru-RU" dirty="0" smtClean="0"/>
+              <a:rPr lang="ru-RU" dirty="0" smtClean="0">
+                <a:latin typeface="Bahnschrift Light Condensed" pitchFamily="34" charset="0"/>
+              </a:rPr>
               <a:t>южет </a:t>
             </a:r>
             <a:r>
-              <a:rPr lang="ru-RU" b="1" dirty="0" smtClean="0"/>
+              <a:rPr lang="ru-RU" b="1" dirty="0" smtClean="0">
+                <a:latin typeface="Bahnschrift Light Condensed" pitchFamily="34" charset="0"/>
+              </a:rPr>
               <a:t>б</a:t>
             </a:r>
             <a:r>
-              <a:rPr lang="ru-RU" dirty="0" smtClean="0"/>
+              <a:rPr lang="ru-RU" dirty="0" smtClean="0">
+                <a:latin typeface="Bahnschrift Light Condensed" pitchFamily="34" charset="0"/>
+              </a:rPr>
               <a:t>удет </a:t>
             </a:r>
             <a:r>
-              <a:rPr lang="ru-RU" b="1" dirty="0" smtClean="0"/>
+              <a:rPr lang="ru-RU" b="1" dirty="0" smtClean="0">
+                <a:latin typeface="Bahnschrift Light Condensed" pitchFamily="34" charset="0"/>
+              </a:rPr>
               <a:t>п</a:t>
             </a:r>
             <a:r>
-              <a:rPr lang="ru-RU" dirty="0" smtClean="0"/>
+              <a:rPr lang="ru-RU" dirty="0" smtClean="0">
+                <a:latin typeface="Bahnschrift Light Condensed" pitchFamily="34" charset="0"/>
+              </a:rPr>
               <a:t>редставлен </a:t>
             </a:r>
             <a:r>
-              <a:rPr lang="ru-RU" b="1" dirty="0" smtClean="0"/>
+              <a:rPr lang="ru-RU" b="1" dirty="0" smtClean="0">
+                <a:latin typeface="Bahnschrift Light Condensed" pitchFamily="34" charset="0"/>
+              </a:rPr>
               <a:t>в</a:t>
             </a:r>
             <a:r>
-              <a:rPr lang="ru-RU" dirty="0" smtClean="0"/>
+              <a:rPr lang="ru-RU" dirty="0" smtClean="0">
+                <a:latin typeface="Bahnschrift Light Condensed" pitchFamily="34" charset="0"/>
+              </a:rPr>
               <a:t> </a:t>
             </a:r>
             <a:r>
-              <a:rPr lang="ru-RU" b="1" dirty="0" smtClean="0"/>
+              <a:rPr lang="ru-RU" b="1" dirty="0" smtClean="0">
+                <a:latin typeface="Bahnschrift Light Condensed" pitchFamily="34" charset="0"/>
+              </a:rPr>
               <a:t>о</a:t>
             </a:r>
             <a:r>
-              <a:rPr lang="ru-RU" dirty="0" smtClean="0"/>
+              <a:rPr lang="ru-RU" dirty="0" smtClean="0">
+                <a:latin typeface="Bahnschrift Light Condensed" pitchFamily="34" charset="0"/>
+              </a:rPr>
               <a:t>тдельном </a:t>
             </a:r>
             <a:r>
-              <a:rPr lang="ru-RU" b="1" dirty="0" smtClean="0"/>
+              <a:rPr lang="ru-RU" b="1" dirty="0" smtClean="0">
+                <a:latin typeface="Bahnschrift Light Condensed" pitchFamily="34" charset="0"/>
+              </a:rPr>
               <a:t>ф</a:t>
             </a:r>
             <a:r>
-              <a:rPr lang="ru-RU" dirty="0" smtClean="0"/>
+              <a:rPr lang="ru-RU" dirty="0" smtClean="0">
+                <a:latin typeface="Bahnschrift Light Condensed" pitchFamily="34" charset="0"/>
+              </a:rPr>
               <a:t>айле </a:t>
             </a:r>
             <a:r>
-              <a:rPr lang="ru-RU" b="1" dirty="0" smtClean="0"/>
+              <a:rPr lang="ru-RU" b="1" dirty="0" smtClean="0">
+                <a:latin typeface="Bahnschrift Light Condensed" pitchFamily="34" charset="0"/>
+              </a:rPr>
               <a:t>с</a:t>
             </a:r>
             <a:r>
-              <a:rPr lang="ru-RU" dirty="0" smtClean="0"/>
+              <a:rPr lang="ru-RU" dirty="0" smtClean="0">
+                <a:latin typeface="Bahnschrift Light Condensed" pitchFamily="34" charset="0"/>
+              </a:rPr>
               <a:t> </a:t>
             </a:r>
             <a:r>
-              <a:rPr lang="ru-RU" b="1" dirty="0" smtClean="0"/>
+              <a:rPr lang="ru-RU" b="1" dirty="0" smtClean="0">
+                <a:latin typeface="Bahnschrift Light Condensed" pitchFamily="34" charset="0"/>
+              </a:rPr>
               <a:t>в</a:t>
             </a:r>
             <a:r>
-              <a:rPr lang="ru-RU" dirty="0" smtClean="0"/>
+              <a:rPr lang="ru-RU" dirty="0" smtClean="0">
+                <a:latin typeface="Bahnschrift Light Condensed" pitchFamily="34" charset="0"/>
+              </a:rPr>
               <a:t>озможностью </a:t>
             </a:r>
             <a:r>
-              <a:rPr lang="ru-RU" b="1" dirty="0" smtClean="0"/>
+              <a:rPr lang="ru-RU" b="1" dirty="0" smtClean="0">
+                <a:latin typeface="Bahnschrift Light Condensed" pitchFamily="34" charset="0"/>
+              </a:rPr>
               <a:t>п</a:t>
             </a:r>
             <a:r>
-              <a:rPr lang="ru-RU" dirty="0" smtClean="0"/>
+              <a:rPr lang="ru-RU" dirty="0" smtClean="0">
+                <a:latin typeface="Bahnschrift Light Condensed" pitchFamily="34" charset="0"/>
+              </a:rPr>
               <a:t>осмотреть </a:t>
             </a:r>
             <a:r>
-              <a:rPr lang="ru-RU" b="1" dirty="0" smtClean="0"/>
+              <a:rPr lang="ru-RU" b="1" dirty="0" smtClean="0">
+                <a:latin typeface="Bahnschrift Light Condensed" pitchFamily="34" charset="0"/>
+              </a:rPr>
               <a:t>е</a:t>
             </a:r>
             <a:r>
-              <a:rPr lang="ru-RU" dirty="0" smtClean="0"/>
+              <a:rPr lang="ru-RU" dirty="0" smtClean="0">
+                <a:latin typeface="Bahnschrift Light Condensed" pitchFamily="34" charset="0"/>
+              </a:rPr>
               <a:t>го </a:t>
             </a:r>
             <a:r>
-              <a:rPr lang="ru-RU" b="1" dirty="0" smtClean="0"/>
+              <a:rPr lang="ru-RU" b="1" dirty="0" smtClean="0">
+                <a:latin typeface="Bahnschrift Light Condensed" pitchFamily="34" charset="0"/>
+              </a:rPr>
               <a:t>в</a:t>
             </a:r>
             <a:r>
-              <a:rPr lang="ru-RU" dirty="0" smtClean="0"/>
+              <a:rPr lang="ru-RU" dirty="0" smtClean="0">
+                <a:latin typeface="Bahnschrift Light Condensed" pitchFamily="34" charset="0"/>
+              </a:rPr>
               <a:t> </a:t>
             </a:r>
             <a:r>
-              <a:rPr lang="ru-RU" b="1" dirty="0" smtClean="0"/>
+              <a:rPr lang="ru-RU" b="1" dirty="0" smtClean="0">
+                <a:latin typeface="Bahnschrift Light Condensed" pitchFamily="34" charset="0"/>
+              </a:rPr>
               <a:t>л</a:t>
             </a:r>
             <a:r>
-              <a:rPr lang="ru-RU" dirty="0" smtClean="0"/>
+              <a:rPr lang="ru-RU" dirty="0" smtClean="0">
+                <a:latin typeface="Bahnschrift Light Condensed" pitchFamily="34" charset="0"/>
+              </a:rPr>
               <a:t>юбой </a:t>
             </a:r>
             <a:r>
-              <a:rPr lang="ru-RU" b="1" dirty="0" smtClean="0"/>
+              <a:rPr lang="ru-RU" b="1" dirty="0" smtClean="0">
+                <a:latin typeface="Bahnschrift Light Condensed" pitchFamily="34" charset="0"/>
+              </a:rPr>
               <a:t>м</a:t>
             </a:r>
             <a:r>
-              <a:rPr lang="ru-RU" dirty="0" smtClean="0"/>
+              <a:rPr lang="ru-RU" dirty="0" smtClean="0">
+                <a:latin typeface="Bahnschrift Light Condensed" pitchFamily="34" charset="0"/>
+              </a:rPr>
               <a:t>омент </a:t>
             </a:r>
             <a:r>
-              <a:rPr lang="ru-RU" b="1" dirty="0" smtClean="0"/>
+              <a:rPr lang="ru-RU" b="1" dirty="0" smtClean="0">
+                <a:latin typeface="Bahnschrift Light Condensed" pitchFamily="34" charset="0"/>
+              </a:rPr>
               <a:t>д</a:t>
             </a:r>
             <a:r>
-              <a:rPr lang="ru-RU" dirty="0" smtClean="0"/>
+              <a:rPr lang="ru-RU" dirty="0" smtClean="0">
+                <a:latin typeface="Bahnschrift Light Condensed" pitchFamily="34" charset="0"/>
+              </a:rPr>
               <a:t>ля </a:t>
             </a:r>
             <a:r>
-              <a:rPr lang="ru-RU" b="1" dirty="0" smtClean="0"/>
+              <a:rPr lang="ru-RU" b="1" dirty="0" smtClean="0">
+                <a:latin typeface="Bahnschrift Light Condensed" pitchFamily="34" charset="0"/>
+              </a:rPr>
               <a:t>б</a:t>
             </a:r>
             <a:r>
-              <a:rPr lang="ru-RU" dirty="0" smtClean="0"/>
+              <a:rPr lang="ru-RU" dirty="0" smtClean="0">
+                <a:latin typeface="Bahnschrift Light Condensed" pitchFamily="34" charset="0"/>
+              </a:rPr>
               <a:t>ольшего </a:t>
             </a:r>
             <a:r>
-              <a:rPr lang="ru-RU" b="1" dirty="0" smtClean="0"/>
+              <a:rPr lang="ru-RU" b="1" dirty="0" smtClean="0">
+                <a:latin typeface="Bahnschrift Light Condensed" pitchFamily="34" charset="0"/>
+              </a:rPr>
               <a:t>п</a:t>
             </a:r>
             <a:r>
-              <a:rPr lang="ru-RU" dirty="0" smtClean="0"/>
+              <a:rPr lang="ru-RU" dirty="0" smtClean="0">
+                <a:latin typeface="Bahnschrift Light Condensed" pitchFamily="34" charset="0"/>
+              </a:rPr>
               <a:t>онимания </a:t>
             </a:r>
             <a:r>
-              <a:rPr lang="ru-RU" b="1" dirty="0" smtClean="0"/>
+              <a:rPr lang="ru-RU" b="1" dirty="0" smtClean="0">
+                <a:latin typeface="Bahnschrift Light Condensed" pitchFamily="34" charset="0"/>
+              </a:rPr>
               <a:t>с</a:t>
             </a:r>
             <a:r>
-              <a:rPr lang="ru-RU" dirty="0" smtClean="0"/>
+              <a:rPr lang="ru-RU" dirty="0" smtClean="0">
+                <a:latin typeface="Bahnschrift Light Condensed" pitchFamily="34" charset="0"/>
+              </a:rPr>
               <a:t>итуации.</a:t>
             </a:r>
-            <a:endParaRPr lang="ru-RU" dirty="0"/>
+            <a:endParaRPr lang="ru-RU" dirty="0">
+              <a:latin typeface="Bahnschrift Light Condensed" pitchFamily="34" charset="0"/>
+            </a:endParaRPr>
           </a:p>
         </p:txBody>
       </p:sp>
@@ -5099,8 +5229,8 @@
         </p:nvSpPr>
         <p:spPr>
           <a:xfrm>
-            <a:off x="14888" y="-333375"/>
-            <a:ext cx="9521116" cy="7191375"/>
+            <a:off x="-180528" y="-675456"/>
+            <a:ext cx="9716532" cy="7534559"/>
           </a:xfrm>
           <a:prstGeom prst="rtTriangle">
             <a:avLst/>
@@ -5187,8 +5317,8 @@
         </p:nvSpPr>
         <p:spPr>
           <a:xfrm>
-            <a:off x="2699792" y="332656"/>
-            <a:ext cx="5472608" cy="864096"/>
+            <a:off x="2699792" y="188640"/>
+            <a:ext cx="6836212" cy="1008112"/>
           </a:xfrm>
           <a:prstGeom prst="rect">
             <a:avLst/>
@@ -5230,8 +5360,8 @@
         </p:nvSpPr>
         <p:spPr>
           <a:xfrm>
-            <a:off x="4990906" y="332656"/>
-            <a:ext cx="7004489" cy="1440160"/>
+            <a:off x="2699792" y="332656"/>
+            <a:ext cx="9295603" cy="1440160"/>
           </a:xfrm>
           <a:prstGeom prst="rect">
             <a:avLst/>
@@ -5454,7 +5584,7 @@
         </p:blipFill>
         <p:spPr bwMode="auto">
           <a:xfrm>
-            <a:off x="1895532" y="1340768"/>
+            <a:off x="1403648" y="2348880"/>
             <a:ext cx="2788876" cy="1370396"/>
           </a:xfrm>
           <a:prstGeom prst="rect">
@@ -5516,7 +5646,7 @@
         </p:blipFill>
         <p:spPr bwMode="auto">
           <a:xfrm>
-            <a:off x="4644008" y="3095625"/>
+            <a:off x="5436096" y="3263416"/>
             <a:ext cx="3123976" cy="1392856"/>
           </a:xfrm>
           <a:prstGeom prst="rect">
@@ -5578,7 +5708,7 @@
         </p:blipFill>
         <p:spPr bwMode="auto">
           <a:xfrm>
-            <a:off x="1403648" y="4869160"/>
+            <a:off x="1403648" y="5085184"/>
             <a:ext cx="3587258" cy="1131366"/>
           </a:xfrm>
           <a:prstGeom prst="rect">
@@ -5710,8 +5840,8 @@
         </p:nvSpPr>
         <p:spPr>
           <a:xfrm>
-            <a:off x="14888" y="-333375"/>
-            <a:ext cx="9521116" cy="7191375"/>
+            <a:off x="-137904" y="-459431"/>
+            <a:ext cx="9622624" cy="7317432"/>
           </a:xfrm>
           <a:prstGeom prst="rtTriangle">
             <a:avLst/>
@@ -5815,6 +5945,7 @@
                 <a:solidFill>
                   <a:schemeClr val="tx1"/>
                 </a:solidFill>
+                <a:latin typeface="Bahnschrift Light" pitchFamily="34" charset="0"/>
               </a:rPr>
               <a:t>И</a:t>
             </a:r>
@@ -5823,11 +5954,14 @@
                 <a:solidFill>
                   <a:schemeClr val="tx1"/>
                 </a:solidFill>
+                <a:latin typeface="Bahnschrift Light" pitchFamily="34" charset="0"/>
               </a:rPr>
               <a:t>спользование</a:t>
             </a:r>
             <a:r>
-              <a:rPr lang="ru-RU" dirty="0" smtClean="0"/>
+              <a:rPr lang="ru-RU" dirty="0" smtClean="0">
+                <a:latin typeface="Bahnschrift Light" pitchFamily="34" charset="0"/>
+              </a:rPr>
               <a:t> </a:t>
             </a:r>
             <a:r>
@@ -5835,6 +5969,7 @@
                 <a:solidFill>
                   <a:schemeClr val="tx1"/>
                 </a:solidFill>
+                <a:latin typeface="Bahnschrift Light" pitchFamily="34" charset="0"/>
               </a:rPr>
               <a:t>Б</a:t>
             </a:r>
@@ -5843,6 +5978,7 @@
                 <a:solidFill>
                   <a:schemeClr val="tx1"/>
                 </a:solidFill>
+                <a:latin typeface="Bahnschrift Light" pitchFamily="34" charset="0"/>
               </a:rPr>
               <a:t>Д</a:t>
             </a:r>
@@ -5850,6 +5986,7 @@
               <a:solidFill>
                 <a:schemeClr val="tx1"/>
               </a:solidFill>
+              <a:latin typeface="Bahnschrift Light" pitchFamily="34" charset="0"/>
             </a:endParaRPr>
           </a:p>
         </p:txBody>
@@ -6089,8 +6226,8 @@
         </p:nvSpPr>
         <p:spPr>
           <a:xfrm>
-            <a:off x="14888" y="-333375"/>
-            <a:ext cx="9521116" cy="7191375"/>
+            <a:off x="-220800" y="-531439"/>
+            <a:ext cx="9909204" cy="7389440"/>
           </a:xfrm>
           <a:prstGeom prst="rtTriangle">
             <a:avLst/>
@@ -6194,6 +6331,7 @@
                 <a:solidFill>
                   <a:schemeClr val="tx1"/>
                 </a:solidFill>
+                <a:latin typeface="Bahnschrift Light" pitchFamily="34" charset="0"/>
               </a:rPr>
               <a:t>П</a:t>
             </a:r>
@@ -6202,6 +6340,7 @@
                 <a:solidFill>
                   <a:schemeClr val="tx1"/>
                 </a:solidFill>
+                <a:latin typeface="Bahnschrift Light" pitchFamily="34" charset="0"/>
               </a:rPr>
               <a:t>очему я?</a:t>
             </a:r>
@@ -6209,6 +6348,7 @@
               <a:solidFill>
                 <a:schemeClr val="tx1"/>
               </a:solidFill>
+              <a:latin typeface="Bahnschrift Light" pitchFamily="34" charset="0"/>
             </a:endParaRPr>
           </a:p>
         </p:txBody>
@@ -6282,102 +6422,152 @@
               <a:buNone/>
             </a:pPr>
             <a:r>
-              <a:rPr lang="ru-RU" b="1" dirty="0" smtClean="0"/>
+              <a:rPr lang="ru-RU" b="1" dirty="0" smtClean="0">
+                <a:latin typeface="Bahnschrift Light Condensed" pitchFamily="34" charset="0"/>
+              </a:rPr>
               <a:t>С</a:t>
             </a:r>
             <a:r>
-              <a:rPr lang="ru-RU" dirty="0" smtClean="0"/>
+              <a:rPr lang="ru-RU" dirty="0" smtClean="0">
+                <a:latin typeface="Bahnschrift Light Condensed" pitchFamily="34" charset="0"/>
+              </a:rPr>
               <a:t>уществует </a:t>
             </a:r>
             <a:r>
-              <a:rPr lang="ru-RU" b="1" dirty="0" smtClean="0"/>
+              <a:rPr lang="ru-RU" b="1" dirty="0" smtClean="0">
+                <a:latin typeface="Bahnschrift Light Condensed" pitchFamily="34" charset="0"/>
+              </a:rPr>
               <a:t>м</a:t>
             </a:r>
             <a:r>
-              <a:rPr lang="ru-RU" dirty="0" smtClean="0"/>
+              <a:rPr lang="ru-RU" dirty="0" smtClean="0">
+                <a:latin typeface="Bahnschrift Light Condensed" pitchFamily="34" charset="0"/>
+              </a:rPr>
               <a:t>ножество </a:t>
             </a:r>
             <a:r>
-              <a:rPr lang="ru-RU" b="1" dirty="0" smtClean="0"/>
+              <a:rPr lang="ru-RU" b="1" dirty="0" smtClean="0">
+                <a:latin typeface="Bahnschrift Light Condensed" pitchFamily="34" charset="0"/>
+              </a:rPr>
               <a:t>и</a:t>
             </a:r>
             <a:r>
-              <a:rPr lang="ru-RU" dirty="0" smtClean="0"/>
+              <a:rPr lang="ru-RU" dirty="0" smtClean="0">
+                <a:latin typeface="Bahnschrift Light Condensed" pitchFamily="34" charset="0"/>
+              </a:rPr>
               <a:t>гр </a:t>
             </a:r>
             <a:r>
-              <a:rPr lang="ru-RU" b="1" dirty="0" smtClean="0"/>
+              <a:rPr lang="ru-RU" b="1" dirty="0" smtClean="0">
+                <a:latin typeface="Bahnschrift Light Condensed" pitchFamily="34" charset="0"/>
+              </a:rPr>
               <a:t>п</a:t>
             </a:r>
             <a:r>
-              <a:rPr lang="ru-RU" dirty="0" smtClean="0"/>
+              <a:rPr lang="ru-RU" dirty="0" smtClean="0">
+                <a:latin typeface="Bahnschrift Light Condensed" pitchFamily="34" charset="0"/>
+              </a:rPr>
               <a:t>одобного </a:t>
             </a:r>
             <a:r>
-              <a:rPr lang="ru-RU" b="1" dirty="0" smtClean="0"/>
+              <a:rPr lang="ru-RU" b="1" dirty="0" smtClean="0">
+                <a:latin typeface="Bahnschrift Light Condensed" pitchFamily="34" charset="0"/>
+              </a:rPr>
               <a:t>ж</a:t>
             </a:r>
             <a:r>
-              <a:rPr lang="ru-RU" dirty="0" smtClean="0"/>
+              <a:rPr lang="ru-RU" dirty="0" smtClean="0">
+                <a:latin typeface="Bahnschrift Light Condensed" pitchFamily="34" charset="0"/>
+              </a:rPr>
               <a:t>анра, </a:t>
             </a:r>
             <a:r>
-              <a:rPr lang="ru-RU" b="1" dirty="0" smtClean="0"/>
+              <a:rPr lang="ru-RU" b="1" dirty="0" smtClean="0">
+                <a:latin typeface="Bahnschrift Light Condensed" pitchFamily="34" charset="0"/>
+              </a:rPr>
               <a:t>н</a:t>
             </a:r>
             <a:r>
-              <a:rPr lang="ru-RU" dirty="0" smtClean="0"/>
+              <a:rPr lang="ru-RU" dirty="0" smtClean="0">
+                <a:latin typeface="Bahnschrift Light Condensed" pitchFamily="34" charset="0"/>
+              </a:rPr>
               <a:t>о </a:t>
             </a:r>
             <a:r>
-              <a:rPr lang="ru-RU" b="1" dirty="0" smtClean="0"/>
+              <a:rPr lang="ru-RU" b="1" dirty="0" smtClean="0">
+                <a:latin typeface="Bahnschrift Light Condensed" pitchFamily="34" charset="0"/>
+              </a:rPr>
               <a:t>в</a:t>
             </a:r>
             <a:r>
-              <a:rPr lang="ru-RU" dirty="0" smtClean="0"/>
+              <a:rPr lang="ru-RU" dirty="0" smtClean="0">
+                <a:latin typeface="Bahnschrift Light Condensed" pitchFamily="34" charset="0"/>
+              </a:rPr>
               <a:t>се </a:t>
             </a:r>
             <a:r>
-              <a:rPr lang="ru-RU" b="1" dirty="0" smtClean="0"/>
+              <a:rPr lang="ru-RU" b="1" dirty="0" smtClean="0">
+                <a:latin typeface="Bahnschrift Light Condensed" pitchFamily="34" charset="0"/>
+              </a:rPr>
               <a:t>л</a:t>
             </a:r>
             <a:r>
-              <a:rPr lang="ru-RU" dirty="0" smtClean="0"/>
+              <a:rPr lang="ru-RU" dirty="0" smtClean="0">
+                <a:latin typeface="Bahnschrift Light Condensed" pitchFamily="34" charset="0"/>
+              </a:rPr>
               <a:t>и </a:t>
             </a:r>
             <a:r>
-              <a:rPr lang="ru-RU" b="1" dirty="0" smtClean="0"/>
+              <a:rPr lang="ru-RU" b="1" dirty="0" smtClean="0">
+                <a:latin typeface="Bahnschrift Light Condensed" pitchFamily="34" charset="0"/>
+              </a:rPr>
               <a:t>и</a:t>
             </a:r>
             <a:r>
-              <a:rPr lang="ru-RU" dirty="0" smtClean="0"/>
+              <a:rPr lang="ru-RU" dirty="0" smtClean="0">
+                <a:latin typeface="Bahnschrift Light Condensed" pitchFamily="34" charset="0"/>
+              </a:rPr>
               <a:t>меют </a:t>
             </a:r>
             <a:r>
-              <a:rPr lang="ru-RU" b="1" dirty="0" smtClean="0"/>
+              <a:rPr lang="ru-RU" b="1" dirty="0" smtClean="0">
+                <a:latin typeface="Bahnschrift Light Condensed" pitchFamily="34" charset="0"/>
+              </a:rPr>
               <a:t>п</a:t>
             </a:r>
             <a:r>
-              <a:rPr lang="ru-RU" dirty="0" smtClean="0"/>
+              <a:rPr lang="ru-RU" dirty="0" smtClean="0">
+                <a:latin typeface="Bahnschrift Light Condensed" pitchFamily="34" charset="0"/>
+              </a:rPr>
               <a:t>рописанный </a:t>
             </a:r>
             <a:r>
-              <a:rPr lang="ru-RU" b="1" dirty="0" smtClean="0"/>
+              <a:rPr lang="ru-RU" b="1" dirty="0" smtClean="0">
+                <a:latin typeface="Bahnschrift Light Condensed" pitchFamily="34" charset="0"/>
+              </a:rPr>
               <a:t>с</a:t>
             </a:r>
             <a:r>
-              <a:rPr lang="ru-RU" dirty="0" smtClean="0"/>
+              <a:rPr lang="ru-RU" dirty="0" smtClean="0">
+                <a:latin typeface="Bahnschrift Light Condensed" pitchFamily="34" charset="0"/>
+              </a:rPr>
               <a:t>южет? </a:t>
             </a:r>
             <a:r>
-              <a:rPr lang="ru-RU" b="1" dirty="0" smtClean="0"/>
+              <a:rPr lang="ru-RU" b="1" dirty="0" smtClean="0">
+                <a:latin typeface="Bahnschrift Light Condensed" pitchFamily="34" charset="0"/>
+              </a:rPr>
               <a:t>Н</a:t>
             </a:r>
             <a:r>
-              <a:rPr lang="ru-RU" dirty="0" smtClean="0"/>
+              <a:rPr lang="ru-RU" dirty="0" smtClean="0">
+                <a:latin typeface="Bahnschrift Light Condensed" pitchFamily="34" charset="0"/>
+              </a:rPr>
               <a:t>ет.</a:t>
             </a:r>
-            <a:endParaRPr lang="ru-RU" dirty="0"/>
+            <a:endParaRPr lang="ru-RU" dirty="0">
+              <a:latin typeface="Bahnschrift Light Condensed" pitchFamily="34" charset="0"/>
+            </a:endParaRPr>
           </a:p>
         </p:txBody>
       </p:sp>
